--- a/fall2016/lectures/3-Integrity-PRF.pptx
+++ b/fall2016/lectures/3-Integrity-PRF.pptx
@@ -12832,7 +12832,7 @@
                 <a:graphicData uri="http://schemas.openxmlformats.org/presentationml/2006/ole">
                   <mc:AlternateContent xmlns:mc="http://schemas.openxmlformats.org/markup-compatibility/2006">
                     <mc:Choice xmlns:v="urn:schemas-microsoft-com:vml" Requires="v">
-                      <p:oleObj spid="_x0000_s1030" name="Equation" r:id="rId4" imgW="2527200" imgH="380880" progId="Equation.3">
+                      <p:oleObj spid="_x0000_s1032" name="Equation" r:id="rId4" imgW="2527200" imgH="380880" progId="Equation.3">
                         <p:embed/>
                       </p:oleObj>
                     </mc:Choice>
@@ -22264,7 +22264,9 @@
           </a:xfrm>
         </p:spPr>
         <p:txBody>
-          <a:bodyPr/>
+          <a:bodyPr>
+            <a:normAutofit fontScale="92500"/>
+          </a:bodyPr>
           <a:lstStyle/>
           <a:p>
             <a:pPr marL="0" indent="0">
@@ -22482,7 +22484,7 @@
         <p:spPr/>
         <p:txBody>
           <a:bodyPr>
-            <a:normAutofit/>
+            <a:normAutofit fontScale="90000"/>
           </a:bodyPr>
           <a:lstStyle/>
           <a:p>

--- a/fall2016/lectures/3-Integrity-PRF.pptx
+++ b/fall2016/lectures/3-Integrity-PRF.pptx
@@ -242,7 +242,7 @@
           <a:p>
             <a:fld id="{29193AC8-E6E5-9B4C-9FD7-B484414A317D}" type="datetimeFigureOut">
               <a:rPr lang="en-US" smtClean="0"/>
-              <a:t>9/19/16</a:t>
+              <a:t>9/21/16</a:t>
             </a:fld>
             <a:endParaRPr lang="en-US"/>
           </a:p>
@@ -407,7 +407,7 @@
           <a:p>
             <a:fld id="{7AE5C1F9-EACF-8C42-BE13-6D521DEC26C2}" type="datetimeFigureOut">
               <a:rPr lang="en-US" smtClean="0"/>
-              <a:t>9/19/16</a:t>
+              <a:t>9/21/16</a:t>
             </a:fld>
             <a:endParaRPr lang="en-US"/>
           </a:p>
@@ -1010,6 +1010,13 @@
           <a:p>
             <a:endParaRPr lang="en-US" dirty="0" smtClean="0"/>
           </a:p>
+          <a:p>
+            <a:r>
+              <a:rPr lang="en-US" dirty="0" smtClean="0"/>
+              <a:t>In cryptography and computer security, a length extension attack is a type of attack where an attacker can use Hash(message1) and the length of message1 to calculate Hash(message1 ∥ message2) for an attacker-controlled message2. In cryptography and computer security, a length extension attack is a type of attack where an attacker can use Hash(message1) and the length of message1 to calculate Hash(message1 ∥ message2) for an attacker-controlled message2. </a:t>
+            </a:r>
+            <a:endParaRPr lang="en-US" dirty="0" smtClean="0"/>
+          </a:p>
         </p:txBody>
       </p:sp>
       <p:sp>
@@ -2726,8 +2733,22 @@
           <a:p>
             <a:r>
               <a:rPr lang="en-US" baseline="0" dirty="0" smtClean="0"/>
-              <a:t>Obviously, public sources of randomness such as this and the NIST beacon (http://www.nist.gov/itl/csd/ct/nist_beacon.cfm) are not useful in crypto because the randomness needs to be unpredictable to the adversary</a:t>
-            </a:r>
+              <a:t>Obviously, public sources of randomness such as this and the NIST beacon (http://www.nist.gov/itl/csd/ct/nist_beacon.cfm) are not useful in crypto because the randomness needs to be unpredictable to the </a:t>
+            </a:r>
+            <a:r>
+              <a:rPr lang="en-US" baseline="0" dirty="0" smtClean="0"/>
+              <a:t>adversary</a:t>
+            </a:r>
+          </a:p>
+          <a:p>
+            <a:endParaRPr lang="en-US" baseline="0" dirty="0" smtClean="0"/>
+          </a:p>
+          <a:p>
+            <a:r>
+              <a:rPr lang="en-US" baseline="0" dirty="0" smtClean="0"/>
+              <a:t>The meat of the book is the "Table of Random Digits." It lists them in five-digit groups -- "10097 32533 76520 13586 ..." -- 50 on a line and 50 lines on a page. The table goes on for 400 pages and, except for a particularly racy section on page 283 which reads "69696," makes for a boring read.</a:t>
+            </a:r>
+            <a:endParaRPr lang="en-US" baseline="0" dirty="0" smtClean="0"/>
           </a:p>
         </p:txBody>
       </p:sp>
@@ -3492,8 +3513,8 @@
         </p:nvSpPr>
         <p:spPr>
           <a:xfrm>
-            <a:off x="381000" y="685800"/>
-            <a:ext cx="6096000" cy="3429000"/>
+            <a:off x="1143000" y="685800"/>
+            <a:ext cx="4572000" cy="3429000"/>
           </a:xfrm>
         </p:spPr>
       </p:sp>
@@ -3951,6 +3972,30 @@
           <a:bodyPr/>
           <a:lstStyle/>
           <a:p>
+            <a:endParaRPr lang="en-US" dirty="0" smtClean="0"/>
+          </a:p>
+          <a:p>
+            <a:r>
+              <a:rPr lang="en-US" dirty="0" smtClean="0"/>
+              <a:t>This amazingly simple strategy does yield heads and tails with equal probabilities, because coin tosses, though biased, are assumed to be independent. Therefore, if heads come out with probability p, and tails with probability 1−p, then both (head, tails) and (tails, heads) sequences occur with probability p(1−p)</a:t>
+            </a:r>
+          </a:p>
+          <a:p>
+            <a:endParaRPr lang="en-US" dirty="0" smtClean="0"/>
+          </a:p>
+          <a:p>
+            <a:r>
+              <a:rPr lang="en-US" dirty="0" smtClean="0"/>
+              <a:t>http://pit-</a:t>
+            </a:r>
+            <a:r>
+              <a:rPr lang="en-US" dirty="0" err="1" smtClean="0"/>
+              <a:t>claudel.fr</a:t>
+            </a:r>
+            <a:r>
+              <a:rPr lang="en-US" dirty="0" smtClean="0"/>
+              <a:t>/clement/blog/generating-uniformly-random-data-from-skewed-input-biased-coins-loaded-dice-skew-correction-and-the-von-neumann-extractor/</a:t>
+            </a:r>
             <a:endParaRPr lang="en-US" dirty="0"/>
           </a:p>
         </p:txBody>
@@ -4539,6 +4584,20 @@
           </a:bodyPr>
           <a:lstStyle/>
           <a:p>
+            <a:r>
+              <a:rPr lang="en-US" dirty="0" smtClean="0"/>
+              <a:t>Provably secure because given</a:t>
+            </a:r>
+            <a:r>
+              <a:rPr lang="en-US" baseline="0" dirty="0" smtClean="0"/>
+              <a:t> any output, Alice and Bob can check the original message.</a:t>
+            </a:r>
+          </a:p>
+          <a:p>
+            <a:r>
+              <a:rPr lang="en-US" dirty="0" smtClean="0"/>
+              <a:t>Mallory does not know the function, and outputs are random.</a:t>
+            </a:r>
             <a:endParaRPr lang="en-US" dirty="0"/>
           </a:p>
         </p:txBody>
@@ -6154,7 +6213,7 @@
           <a:p>
             <a:fld id="{8825EAC5-5643-4243-9234-CA1B07A93AAF}" type="datetimeFigureOut">
               <a:rPr lang="en-US" smtClean="0"/>
-              <a:t>9/19/16</a:t>
+              <a:t>9/21/16</a:t>
             </a:fld>
             <a:endParaRPr lang="en-US"/>
           </a:p>
@@ -6324,7 +6383,7 @@
           <a:p>
             <a:fld id="{8825EAC5-5643-4243-9234-CA1B07A93AAF}" type="datetimeFigureOut">
               <a:rPr lang="en-US" smtClean="0"/>
-              <a:t>9/19/16</a:t>
+              <a:t>9/21/16</a:t>
             </a:fld>
             <a:endParaRPr lang="en-US"/>
           </a:p>
@@ -6504,7 +6563,7 @@
           <a:p>
             <a:fld id="{8825EAC5-5643-4243-9234-CA1B07A93AAF}" type="datetimeFigureOut">
               <a:rPr lang="en-US" smtClean="0"/>
-              <a:t>9/19/16</a:t>
+              <a:t>9/21/16</a:t>
             </a:fld>
             <a:endParaRPr lang="en-US"/>
           </a:p>
@@ -6680,7 +6739,7 @@
             <a:fld id="{446FEFB0-7A1A-44E6-B9DF-D284AB76E538}" type="datetimeFigureOut">
               <a:rPr lang="en-US" smtClean="0"/>
               <a:pPr/>
-              <a:t>9/19/16</a:t>
+              <a:t>9/21/16</a:t>
             </a:fld>
             <a:endParaRPr lang="en-US"/>
           </a:p>
@@ -6864,7 +6923,7 @@
             <a:fld id="{446FEFB0-7A1A-44E6-B9DF-D284AB76E538}" type="datetimeFigureOut">
               <a:rPr lang="en-US" smtClean="0"/>
               <a:pPr/>
-              <a:t>9/19/16</a:t>
+              <a:t>9/21/16</a:t>
             </a:fld>
             <a:endParaRPr lang="en-US"/>
           </a:p>
@@ -7048,7 +7107,7 @@
             <a:fld id="{446FEFB0-7A1A-44E6-B9DF-D284AB76E538}" type="datetimeFigureOut">
               <a:rPr lang="en-US" smtClean="0"/>
               <a:pPr/>
-              <a:t>9/19/16</a:t>
+              <a:t>9/21/16</a:t>
             </a:fld>
             <a:endParaRPr lang="en-US"/>
           </a:p>
@@ -7232,7 +7291,7 @@
             <a:fld id="{446FEFB0-7A1A-44E6-B9DF-D284AB76E538}" type="datetimeFigureOut">
               <a:rPr lang="en-US" smtClean="0"/>
               <a:pPr/>
-              <a:t>9/19/16</a:t>
+              <a:t>9/21/16</a:t>
             </a:fld>
             <a:endParaRPr lang="en-US"/>
           </a:p>
@@ -7416,7 +7475,7 @@
             <a:fld id="{446FEFB0-7A1A-44E6-B9DF-D284AB76E538}" type="datetimeFigureOut">
               <a:rPr lang="en-US" smtClean="0"/>
               <a:pPr/>
-              <a:t>9/19/16</a:t>
+              <a:t>9/21/16</a:t>
             </a:fld>
             <a:endParaRPr lang="en-US"/>
           </a:p>
@@ -7600,7 +7659,7 @@
             <a:fld id="{446FEFB0-7A1A-44E6-B9DF-D284AB76E538}" type="datetimeFigureOut">
               <a:rPr lang="en-US" smtClean="0"/>
               <a:pPr/>
-              <a:t>9/19/16</a:t>
+              <a:t>9/21/16</a:t>
             </a:fld>
             <a:endParaRPr lang="en-US"/>
           </a:p>
@@ -7784,7 +7843,7 @@
             <a:fld id="{446FEFB0-7A1A-44E6-B9DF-D284AB76E538}" type="datetimeFigureOut">
               <a:rPr lang="en-US" smtClean="0"/>
               <a:pPr/>
-              <a:t>9/19/16</a:t>
+              <a:t>9/21/16</a:t>
             </a:fld>
             <a:endParaRPr lang="en-US"/>
           </a:p>
@@ -7968,7 +8027,7 @@
             <a:fld id="{446FEFB0-7A1A-44E6-B9DF-D284AB76E538}" type="datetimeFigureOut">
               <a:rPr lang="en-US" smtClean="0"/>
               <a:pPr/>
-              <a:t>9/19/16</a:t>
+              <a:t>9/21/16</a:t>
             </a:fld>
             <a:endParaRPr lang="en-US"/>
           </a:p>
@@ -8146,7 +8205,7 @@
           <a:p>
             <a:fld id="{8825EAC5-5643-4243-9234-CA1B07A93AAF}" type="datetimeFigureOut">
               <a:rPr lang="en-US" smtClean="0"/>
-              <a:t>9/19/16</a:t>
+              <a:t>9/21/16</a:t>
             </a:fld>
             <a:endParaRPr lang="en-US"/>
           </a:p>
@@ -8322,7 +8381,7 @@
             <a:fld id="{446FEFB0-7A1A-44E6-B9DF-D284AB76E538}" type="datetimeFigureOut">
               <a:rPr lang="en-US" smtClean="0"/>
               <a:pPr/>
-              <a:t>9/19/16</a:t>
+              <a:t>9/21/16</a:t>
             </a:fld>
             <a:endParaRPr lang="en-US"/>
           </a:p>
@@ -8506,7 +8565,7 @@
             <a:fld id="{446FEFB0-7A1A-44E6-B9DF-D284AB76E538}" type="datetimeFigureOut">
               <a:rPr lang="en-US" smtClean="0"/>
               <a:pPr/>
-              <a:t>9/19/16</a:t>
+              <a:t>9/21/16</a:t>
             </a:fld>
             <a:endParaRPr lang="en-US"/>
           </a:p>
@@ -8690,7 +8749,7 @@
             <a:fld id="{446FEFB0-7A1A-44E6-B9DF-D284AB76E538}" type="datetimeFigureOut">
               <a:rPr lang="en-US" smtClean="0"/>
               <a:pPr/>
-              <a:t>9/19/16</a:t>
+              <a:t>9/21/16</a:t>
             </a:fld>
             <a:endParaRPr lang="en-US"/>
           </a:p>
@@ -8874,7 +8933,7 @@
             <a:fld id="{446FEFB0-7A1A-44E6-B9DF-D284AB76E538}" type="datetimeFigureOut">
               <a:rPr lang="en-US" smtClean="0"/>
               <a:pPr/>
-              <a:t>9/19/16</a:t>
+              <a:t>9/21/16</a:t>
             </a:fld>
             <a:endParaRPr lang="en-US"/>
           </a:p>
@@ -9058,7 +9117,7 @@
             <a:fld id="{446FEFB0-7A1A-44E6-B9DF-D284AB76E538}" type="datetimeFigureOut">
               <a:rPr lang="en-US" smtClean="0"/>
               <a:pPr/>
-              <a:t>9/19/16</a:t>
+              <a:t>9/21/16</a:t>
             </a:fld>
             <a:endParaRPr lang="en-US"/>
           </a:p>
@@ -9242,7 +9301,7 @@
             <a:fld id="{446FEFB0-7A1A-44E6-B9DF-D284AB76E538}" type="datetimeFigureOut">
               <a:rPr lang="en-US" smtClean="0"/>
               <a:pPr/>
-              <a:t>9/19/16</a:t>
+              <a:t>9/21/16</a:t>
             </a:fld>
             <a:endParaRPr lang="en-US"/>
           </a:p>
@@ -9426,7 +9485,7 @@
             <a:fld id="{446FEFB0-7A1A-44E6-B9DF-D284AB76E538}" type="datetimeFigureOut">
               <a:rPr lang="en-US" smtClean="0"/>
               <a:pPr/>
-              <a:t>9/19/16</a:t>
+              <a:t>9/21/16</a:t>
             </a:fld>
             <a:endParaRPr lang="en-US"/>
           </a:p>
@@ -9610,7 +9669,7 @@
             <a:fld id="{446FEFB0-7A1A-44E6-B9DF-D284AB76E538}" type="datetimeFigureOut">
               <a:rPr lang="en-US" smtClean="0"/>
               <a:pPr/>
-              <a:t>9/19/16</a:t>
+              <a:t>9/21/16</a:t>
             </a:fld>
             <a:endParaRPr lang="en-US"/>
           </a:p>
@@ -9794,7 +9853,7 @@
             <a:fld id="{446FEFB0-7A1A-44E6-B9DF-D284AB76E538}" type="datetimeFigureOut">
               <a:rPr lang="en-US" smtClean="0"/>
               <a:pPr/>
-              <a:t>9/19/16</a:t>
+              <a:t>9/21/16</a:t>
             </a:fld>
             <a:endParaRPr lang="en-US"/>
           </a:p>
@@ -9978,7 +10037,7 @@
             <a:fld id="{446FEFB0-7A1A-44E6-B9DF-D284AB76E538}" type="datetimeFigureOut">
               <a:rPr lang="en-US" smtClean="0"/>
               <a:pPr/>
-              <a:t>9/19/16</a:t>
+              <a:t>9/21/16</a:t>
             </a:fld>
             <a:endParaRPr lang="en-US"/>
           </a:p>
@@ -10232,7 +10291,7 @@
           <a:p>
             <a:fld id="{8825EAC5-5643-4243-9234-CA1B07A93AAF}" type="datetimeFigureOut">
               <a:rPr lang="en-US" smtClean="0"/>
-              <a:t>9/19/16</a:t>
+              <a:t>9/21/16</a:t>
             </a:fld>
             <a:endParaRPr lang="en-US"/>
           </a:p>
@@ -10408,7 +10467,7 @@
             <a:fld id="{446FEFB0-7A1A-44E6-B9DF-D284AB76E538}" type="datetimeFigureOut">
               <a:rPr lang="en-US" smtClean="0"/>
               <a:pPr/>
-              <a:t>9/19/16</a:t>
+              <a:t>9/21/16</a:t>
             </a:fld>
             <a:endParaRPr lang="en-US"/>
           </a:p>
@@ -10592,7 +10651,7 @@
             <a:fld id="{446FEFB0-7A1A-44E6-B9DF-D284AB76E538}" type="datetimeFigureOut">
               <a:rPr lang="en-US" smtClean="0"/>
               <a:pPr/>
-              <a:t>9/19/16</a:t>
+              <a:t>9/21/16</a:t>
             </a:fld>
             <a:endParaRPr lang="en-US"/>
           </a:p>
@@ -10888,7 +10947,7 @@
           <a:p>
             <a:fld id="{8825EAC5-5643-4243-9234-CA1B07A93AAF}" type="datetimeFigureOut">
               <a:rPr lang="en-US" smtClean="0"/>
-              <a:t>9/19/16</a:t>
+              <a:t>9/21/16</a:t>
             </a:fld>
             <a:endParaRPr lang="en-US"/>
           </a:p>
@@ -11310,7 +11369,7 @@
           <a:p>
             <a:fld id="{8825EAC5-5643-4243-9234-CA1B07A93AAF}" type="datetimeFigureOut">
               <a:rPr lang="en-US" smtClean="0"/>
-              <a:t>9/19/16</a:t>
+              <a:t>9/21/16</a:t>
             </a:fld>
             <a:endParaRPr lang="en-US"/>
           </a:p>
@@ -11428,7 +11487,7 @@
           <a:p>
             <a:fld id="{8825EAC5-5643-4243-9234-CA1B07A93AAF}" type="datetimeFigureOut">
               <a:rPr lang="en-US" smtClean="0"/>
-              <a:t>9/19/16</a:t>
+              <a:t>9/21/16</a:t>
             </a:fld>
             <a:endParaRPr lang="en-US"/>
           </a:p>
@@ -11523,7 +11582,7 @@
           <a:p>
             <a:fld id="{8825EAC5-5643-4243-9234-CA1B07A93AAF}" type="datetimeFigureOut">
               <a:rPr lang="en-US" smtClean="0"/>
-              <a:t>9/19/16</a:t>
+              <a:t>9/21/16</a:t>
             </a:fld>
             <a:endParaRPr lang="en-US"/>
           </a:p>
@@ -11800,7 +11859,7 @@
           <a:p>
             <a:fld id="{8825EAC5-5643-4243-9234-CA1B07A93AAF}" type="datetimeFigureOut">
               <a:rPr lang="en-US" smtClean="0"/>
-              <a:t>9/19/16</a:t>
+              <a:t>9/21/16</a:t>
             </a:fld>
             <a:endParaRPr lang="en-US"/>
           </a:p>
@@ -12053,7 +12112,7 @@
           <a:p>
             <a:fld id="{8825EAC5-5643-4243-9234-CA1B07A93AAF}" type="datetimeFigureOut">
               <a:rPr lang="en-US" smtClean="0"/>
-              <a:t>9/19/16</a:t>
+              <a:t>9/21/16</a:t>
             </a:fld>
             <a:endParaRPr lang="en-US"/>
           </a:p>
@@ -12266,7 +12325,7 @@
           <a:p>
             <a:fld id="{8825EAC5-5643-4243-9234-CA1B07A93AAF}" type="datetimeFigureOut">
               <a:rPr lang="en-US" smtClean="0"/>
-              <a:t>9/19/16</a:t>
+              <a:t>9/21/16</a:t>
             </a:fld>
             <a:endParaRPr lang="en-US"/>
           </a:p>
@@ -12685,7 +12744,26 @@
           <a:p>
             <a:r>
               <a:rPr lang="en-US" dirty="0" smtClean="0"/>
-              <a:t>Integrity and Pseudorandom Functions</a:t>
+              <a:t>Message Integrity </a:t>
+            </a:r>
+            <a:r>
+              <a:rPr lang="en-US" dirty="0" smtClean="0"/>
+              <a:t>and </a:t>
+            </a:r>
+            <a:r>
+              <a:rPr lang="en-US" dirty="0" smtClean="0"/>
+              <a:t/>
+            </a:r>
+            <a:br>
+              <a:rPr lang="en-US" dirty="0" smtClean="0"/>
+            </a:br>
+            <a:r>
+              <a:rPr lang="en-US" dirty="0" smtClean="0"/>
+              <a:t>Pseudorandom </a:t>
+            </a:r>
+            <a:r>
+              <a:rPr lang="en-US" dirty="0" smtClean="0"/>
+              <a:t>Functions</a:t>
             </a:r>
             <a:br>
               <a:rPr lang="en-US" dirty="0" smtClean="0"/>
@@ -12734,6 +12812,13 @@
   <p:clrMapOvr>
     <a:masterClrMapping/>
   </p:clrMapOvr>
+  <p:timing>
+    <p:tnLst>
+      <p:par>
+        <p:cTn xmlns:p14="http://schemas.microsoft.com/office/powerpoint/2010/main" id="1" dur="indefinite" restart="never" nodeType="tmRoot"/>
+      </p:par>
+    </p:tnLst>
+  </p:timing>
 </p:sld>
 </file>
 
@@ -13000,7 +13085,7 @@
                 <a:graphicData uri="http://schemas.openxmlformats.org/presentationml/2006/ole">
                   <mc:AlternateContent xmlns:mc="http://schemas.openxmlformats.org/markup-compatibility/2006">
                     <mc:Choice xmlns:v="urn:schemas-microsoft-com:vml" Requires="v">
-                      <p:oleObj spid="_x0000_s1057" name="Equation" r:id="rId4" imgW="2527200" imgH="380880" progId="Equation.3">
+                      <p:oleObj spid="_x0000_s1099" name="Equation" r:id="rId4" imgW="2527200" imgH="380880" progId="Equation.3">
                         <p:embed/>
                       </p:oleObj>
                     </mc:Choice>
@@ -13423,84 +13508,6 @@
           <a:chExt cx="0" cy="0"/>
         </a:xfrm>
       </p:grpSpPr>
-      <p:pic>
-        <p:nvPicPr>
-          <p:cNvPr id="7" name="Picture 6"/>
-          <p:cNvPicPr>
-            <a:picLocks noChangeAspect="1"/>
-          </p:cNvPicPr>
-          <p:nvPr/>
-        </p:nvPicPr>
-        <p:blipFill>
-          <a:blip r:embed="rId3">
-            <a:extLst>
-              <a:ext uri="{28A0092B-C50C-407E-A947-70E740481C1C}">
-                <a14:useLocalDpi xmlns:a14="http://schemas.microsoft.com/office/drawing/2010/main" val="0"/>
-              </a:ext>
-            </a:extLst>
-          </a:blip>
-          <a:stretch>
-            <a:fillRect/>
-          </a:stretch>
-        </p:blipFill>
-        <p:spPr>
-          <a:xfrm>
-            <a:off x="304803" y="2286000"/>
-            <a:ext cx="6382295" cy="2442235"/>
-          </a:xfrm>
-          <a:prstGeom prst="rect">
-            <a:avLst/>
-          </a:prstGeom>
-        </p:spPr>
-      </p:pic>
-      <p:pic>
-        <p:nvPicPr>
-          <p:cNvPr id="4" name="Picture 3"/>
-          <p:cNvPicPr>
-            <a:picLocks noChangeAspect="1"/>
-          </p:cNvPicPr>
-          <p:nvPr/>
-        </p:nvPicPr>
-        <p:blipFill>
-          <a:blip r:embed="rId4"/>
-          <a:stretch>
-            <a:fillRect/>
-          </a:stretch>
-        </p:blipFill>
-        <p:spPr>
-          <a:xfrm>
-            <a:off x="4267200" y="4311967"/>
-            <a:ext cx="3556000" cy="140019"/>
-          </a:xfrm>
-          <a:prstGeom prst="rect">
-            <a:avLst/>
-          </a:prstGeom>
-        </p:spPr>
-      </p:pic>
-      <p:pic>
-        <p:nvPicPr>
-          <p:cNvPr id="5" name="Picture 4"/>
-          <p:cNvPicPr>
-            <a:picLocks noChangeAspect="1"/>
-          </p:cNvPicPr>
-          <p:nvPr/>
-        </p:nvPicPr>
-        <p:blipFill>
-          <a:blip r:embed="rId5"/>
-          <a:stretch>
-            <a:fillRect/>
-          </a:stretch>
-        </p:blipFill>
-        <p:spPr>
-          <a:xfrm>
-            <a:off x="4267202" y="4457700"/>
-            <a:ext cx="4539827" cy="140019"/>
-          </a:xfrm>
-          <a:prstGeom prst="rect">
-            <a:avLst/>
-          </a:prstGeom>
-        </p:spPr>
-      </p:pic>
       <p:sp>
         <p:nvSpPr>
           <p:cNvPr id="2" name="Content Placeholder 1"/>
@@ -13519,7 +13526,7 @@
         </p:spPr>
         <p:txBody>
           <a:bodyPr>
-            <a:normAutofit fontScale="62500" lnSpcReduction="20000"/>
+            <a:normAutofit fontScale="55000" lnSpcReduction="20000"/>
           </a:bodyPr>
           <a:lstStyle/>
           <a:p>
@@ -13532,11 +13539,11 @@
               </a:tabLst>
             </a:pPr>
             <a:r>
-              <a:rPr lang="en-US" sz="3000" dirty="0" smtClean="0"/>
+              <a:rPr lang="en-US" sz="4400" dirty="0" smtClean="0"/>
               <a:t>What is </a:t>
             </a:r>
             <a:r>
-              <a:rPr lang="en-US" sz="3000" b="1" dirty="0" smtClean="0">
+              <a:rPr lang="en-US" sz="4400" b="1" dirty="0" smtClean="0">
                 <a:solidFill>
                   <a:schemeClr val="accent1"/>
                 </a:solidFill>
@@ -13544,7 +13551,7 @@
               <a:t>SHA256</a:t>
             </a:r>
             <a:r>
-              <a:rPr lang="en-US" sz="3000" dirty="0" smtClean="0"/>
+              <a:rPr lang="en-US" sz="4400" dirty="0" smtClean="0"/>
               <a:t>?</a:t>
             </a:r>
           </a:p>
@@ -14040,54 +14047,147 @@
           </a:p>
         </p:txBody>
       </p:sp>
-      <p:pic>
-        <p:nvPicPr>
-          <p:cNvPr id="6" name="Picture 5"/>
-          <p:cNvPicPr>
-            <a:picLocks noChangeAspect="1"/>
-          </p:cNvPicPr>
+      <p:grpSp>
+        <p:nvGrpSpPr>
+          <p:cNvPr id="9" name="Group 8"/>
+          <p:cNvGrpSpPr/>
           <p:nvPr/>
-        </p:nvPicPr>
-        <p:blipFill>
-          <a:blip r:embed="rId6"/>
-          <a:stretch>
-            <a:fillRect/>
-          </a:stretch>
-        </p:blipFill>
-        <p:spPr>
+        </p:nvGrpSpPr>
+        <p:grpSpPr>
           <a:xfrm>
-            <a:off x="4326469" y="4597717"/>
-            <a:ext cx="4207933" cy="140019"/>
+            <a:off x="1111250" y="2301188"/>
+            <a:ext cx="6155904" cy="2597442"/>
+            <a:chOff x="828678" y="2301188"/>
+            <a:chExt cx="8502226" cy="2597442"/>
           </a:xfrm>
-          <a:prstGeom prst="rect">
-            <a:avLst/>
-          </a:prstGeom>
-        </p:spPr>
-      </p:pic>
-      <p:pic>
-        <p:nvPicPr>
-          <p:cNvPr id="8" name="Picture 7"/>
-          <p:cNvPicPr>
-            <a:picLocks noChangeAspect="1"/>
-          </p:cNvPicPr>
-          <p:nvPr/>
-        </p:nvPicPr>
-        <p:blipFill>
-          <a:blip r:embed="rId7"/>
-          <a:stretch>
-            <a:fillRect/>
-          </a:stretch>
-        </p:blipFill>
-        <p:spPr>
-          <a:xfrm>
-            <a:off x="4267202" y="4743423"/>
-            <a:ext cx="4255347" cy="140019"/>
-          </a:xfrm>
-          <a:prstGeom prst="rect">
-            <a:avLst/>
-          </a:prstGeom>
-        </p:spPr>
-      </p:pic>
+        </p:grpSpPr>
+        <p:pic>
+          <p:nvPicPr>
+            <p:cNvPr id="7" name="Picture 6"/>
+            <p:cNvPicPr>
+              <a:picLocks noChangeAspect="1"/>
+            </p:cNvPicPr>
+            <p:nvPr/>
+          </p:nvPicPr>
+          <p:blipFill>
+            <a:blip r:embed="rId3">
+              <a:extLst>
+                <a:ext uri="{28A0092B-C50C-407E-A947-70E740481C1C}">
+                  <a14:useLocalDpi xmlns:a14="http://schemas.microsoft.com/office/drawing/2010/main" val="0"/>
+                </a:ext>
+              </a:extLst>
+            </a:blip>
+            <a:stretch>
+              <a:fillRect/>
+            </a:stretch>
+          </p:blipFill>
+          <p:spPr>
+            <a:xfrm>
+              <a:off x="828678" y="2301188"/>
+              <a:ext cx="6382295" cy="2442235"/>
+            </a:xfrm>
+            <a:prstGeom prst="rect">
+              <a:avLst/>
+            </a:prstGeom>
+          </p:spPr>
+        </p:pic>
+        <p:pic>
+          <p:nvPicPr>
+            <p:cNvPr id="4" name="Picture 3"/>
+            <p:cNvPicPr>
+              <a:picLocks noChangeAspect="1"/>
+            </p:cNvPicPr>
+            <p:nvPr/>
+          </p:nvPicPr>
+          <p:blipFill>
+            <a:blip r:embed="rId4"/>
+            <a:stretch>
+              <a:fillRect/>
+            </a:stretch>
+          </p:blipFill>
+          <p:spPr>
+            <a:xfrm>
+              <a:off x="4791075" y="4327155"/>
+              <a:ext cx="3556000" cy="140019"/>
+            </a:xfrm>
+            <a:prstGeom prst="rect">
+              <a:avLst/>
+            </a:prstGeom>
+          </p:spPr>
+        </p:pic>
+        <p:pic>
+          <p:nvPicPr>
+            <p:cNvPr id="5" name="Picture 4"/>
+            <p:cNvPicPr>
+              <a:picLocks noChangeAspect="1"/>
+            </p:cNvPicPr>
+            <p:nvPr/>
+          </p:nvPicPr>
+          <p:blipFill>
+            <a:blip r:embed="rId5"/>
+            <a:stretch>
+              <a:fillRect/>
+            </a:stretch>
+          </p:blipFill>
+          <p:spPr>
+            <a:xfrm>
+              <a:off x="4791077" y="4472888"/>
+              <a:ext cx="4539827" cy="140019"/>
+            </a:xfrm>
+            <a:prstGeom prst="rect">
+              <a:avLst/>
+            </a:prstGeom>
+          </p:spPr>
+        </p:pic>
+        <p:pic>
+          <p:nvPicPr>
+            <p:cNvPr id="6" name="Picture 5"/>
+            <p:cNvPicPr>
+              <a:picLocks noChangeAspect="1"/>
+            </p:cNvPicPr>
+            <p:nvPr/>
+          </p:nvPicPr>
+          <p:blipFill>
+            <a:blip r:embed="rId6"/>
+            <a:stretch>
+              <a:fillRect/>
+            </a:stretch>
+          </p:blipFill>
+          <p:spPr>
+            <a:xfrm>
+              <a:off x="4850344" y="4612905"/>
+              <a:ext cx="4207933" cy="140019"/>
+            </a:xfrm>
+            <a:prstGeom prst="rect">
+              <a:avLst/>
+            </a:prstGeom>
+          </p:spPr>
+        </p:pic>
+        <p:pic>
+          <p:nvPicPr>
+            <p:cNvPr id="8" name="Picture 7"/>
+            <p:cNvPicPr>
+              <a:picLocks noChangeAspect="1"/>
+            </p:cNvPicPr>
+            <p:nvPr/>
+          </p:nvPicPr>
+          <p:blipFill>
+            <a:blip r:embed="rId7"/>
+            <a:stretch>
+              <a:fillRect/>
+            </a:stretch>
+          </p:blipFill>
+          <p:spPr>
+            <a:xfrm>
+              <a:off x="4791077" y="4758611"/>
+              <a:ext cx="4255347" cy="140019"/>
+            </a:xfrm>
+            <a:prstGeom prst="rect">
+              <a:avLst/>
+            </a:prstGeom>
+          </p:spPr>
+        </p:pic>
+      </p:grpSp>
     </p:spTree>
     <p:extLst>
       <p:ext uri="{BB962C8B-B14F-4D97-AF65-F5344CB8AC3E}">
@@ -14109,7 +14209,7 @@
 </file>
 
 <file path=ppt/slides/slide12.xml><?xml version="1.0" encoding="utf-8"?>
-<p:sld xmlns:a="http://schemas.openxmlformats.org/drawingml/2006/main" xmlns:r="http://schemas.openxmlformats.org/officeDocument/2006/relationships" xmlns:p="http://schemas.openxmlformats.org/presentationml/2006/main">
+<p:sld xmlns:a="http://schemas.openxmlformats.org/drawingml/2006/main" xmlns:r="http://schemas.openxmlformats.org/officeDocument/2006/relationships" xmlns:p="http://schemas.openxmlformats.org/presentationml/2006/main" show="0">
   <p:cSld>
     <p:spTree>
       <p:nvGrpSpPr>
@@ -15437,6 +15537,14 @@
   <p:clrMapOvr>
     <a:masterClrMapping/>
   </p:clrMapOvr>
+  <mc:AlternateContent xmlns:mc="http://schemas.openxmlformats.org/markup-compatibility/2006">
+    <mc:Choice xmlns:p14="http://schemas.microsoft.com/office/powerpoint/2010/main" Requires="p14">
+      <p:transition spd="slow" p14:dur="2000"/>
+    </mc:Choice>
+    <mc:Fallback>
+      <p:transition xmlns:p14="http://schemas.microsoft.com/office/powerpoint/2010/main" spd="slow"/>
+    </mc:Fallback>
+  </mc:AlternateContent>
   <p:timing>
     <p:tnLst>
       <p:par>
@@ -15477,24 +15585,38 @@
         <p:spPr/>
         <p:txBody>
           <a:bodyPr>
-            <a:normAutofit fontScale="62500" lnSpcReduction="20000"/>
+            <a:noAutofit/>
           </a:bodyPr>
           <a:lstStyle/>
           <a:p>
-            <a:r>
-              <a:rPr lang="en-US" dirty="0" smtClean="0"/>
-              <a:t>Hash function properties</a:t>
-            </a:r>
-          </a:p>
-          <a:p>
-            <a:r>
-              <a:rPr lang="en-US" dirty="0" smtClean="0"/>
+            <a:pPr algn="ctr"/>
+            <a:r>
+              <a:rPr lang="en-US" sz="2800" b="1" dirty="0" smtClean="0"/>
+              <a:t>Hash </a:t>
+            </a:r>
+            <a:r>
+              <a:rPr lang="en-US" sz="2800" b="1" dirty="0" smtClean="0"/>
+              <a:t>Function </a:t>
+            </a:r>
+            <a:r>
+              <a:rPr lang="en-US" sz="2800" b="1" dirty="0"/>
+              <a:t>P</a:t>
+            </a:r>
+            <a:r>
+              <a:rPr lang="en-US" sz="2800" b="1" dirty="0" smtClean="0"/>
+              <a:t>roperties</a:t>
+            </a:r>
+            <a:endParaRPr lang="en-US" sz="2800" b="1" dirty="0" smtClean="0"/>
+          </a:p>
+          <a:p>
+            <a:r>
+              <a:rPr lang="en-US" sz="2800" dirty="0" smtClean="0"/>
               <a:t>Good hash functions should make it difficult to find …</a:t>
             </a:r>
           </a:p>
           <a:p>
             <a:r>
-              <a:rPr lang="en-US" dirty="0" smtClean="0">
+              <a:rPr lang="en-US" sz="2800" dirty="0" smtClean="0">
                 <a:solidFill>
                   <a:schemeClr val="tx2">
                     <a:lumMod val="60000"/>
@@ -15507,24 +15629,26 @@
           </a:p>
           <a:p>
             <a:r>
-              <a:rPr lang="en-US" dirty="0"/>
+              <a:rPr lang="en-US" sz="2800" dirty="0"/>
               <a:t> </a:t>
             </a:r>
             <a:r>
-              <a:rPr lang="en-US" dirty="0" smtClean="0"/>
+              <a:rPr lang="en-US" sz="2800" dirty="0" smtClean="0"/>
               <a:t> </a:t>
             </a:r>
             <a:r>
-              <a:rPr lang="en-US" sz="2800" dirty="0" smtClean="0"/>
-              <a:t>given h(m), find m</a:t>
-            </a:r>
-          </a:p>
-          <a:p>
-            <a:endParaRPr lang="en-US" sz="2800" dirty="0" smtClean="0"/>
-          </a:p>
-          <a:p>
-            <a:r>
-              <a:rPr lang="en-US" dirty="0" smtClean="0">
+              <a:rPr lang="en-US" sz="2400" dirty="0" smtClean="0"/>
+              <a:t>given h(m), find </a:t>
+            </a:r>
+            <a:r>
+              <a:rPr lang="en-US" sz="2400" dirty="0" smtClean="0"/>
+              <a:t>m</a:t>
+            </a:r>
+            <a:endParaRPr lang="en-US" sz="2400" dirty="0" smtClean="0"/>
+          </a:p>
+          <a:p>
+            <a:r>
+              <a:rPr lang="en-US" sz="2800" dirty="0" smtClean="0">
                 <a:solidFill>
                   <a:schemeClr val="tx2">
                     <a:lumMod val="60000"/>
@@ -15543,60 +15667,58 @@
               <a:buNone/>
             </a:pPr>
             <a:r>
-              <a:rPr lang="en-US" dirty="0"/>
+              <a:rPr lang="en-US" sz="2400" dirty="0"/>
               <a:t> </a:t>
             </a:r>
             <a:r>
-              <a:rPr lang="en-US" dirty="0" smtClean="0"/>
+              <a:rPr lang="en-US" sz="2400" dirty="0" smtClean="0"/>
               <a:t> given </a:t>
             </a:r>
             <a:r>
-              <a:rPr lang="en-US" dirty="0"/>
+              <a:rPr lang="en-US" sz="2400" dirty="0"/>
               <a:t>m</a:t>
             </a:r>
             <a:r>
-              <a:rPr lang="en-US" baseline="-25000" dirty="0"/>
+              <a:rPr lang="en-US" sz="2400" baseline="-25000" dirty="0"/>
               <a:t>1</a:t>
             </a:r>
             <a:r>
-              <a:rPr lang="en-US" dirty="0"/>
+              <a:rPr lang="en-US" sz="2400" dirty="0"/>
               <a:t>, find m</a:t>
             </a:r>
             <a:r>
-              <a:rPr lang="en-US" baseline="-25000" dirty="0"/>
+              <a:rPr lang="en-US" sz="2400" baseline="-25000" dirty="0"/>
               <a:t>2</a:t>
             </a:r>
             <a:r>
-              <a:rPr lang="en-US" dirty="0"/>
+              <a:rPr lang="en-US" sz="2400" dirty="0"/>
               <a:t> </a:t>
             </a:r>
             <a:r>
-              <a:rPr lang="en-US" dirty="0" err="1"/>
+              <a:rPr lang="en-US" sz="2400" dirty="0" err="1"/>
               <a:t>s.t.</a:t>
             </a:r>
             <a:r>
-              <a:rPr lang="en-US" dirty="0"/>
+              <a:rPr lang="en-US" sz="2400" dirty="0"/>
               <a:t> h(m</a:t>
             </a:r>
             <a:r>
-              <a:rPr lang="en-US" baseline="-25000" dirty="0"/>
+              <a:rPr lang="en-US" sz="2400" baseline="-25000" dirty="0"/>
               <a:t>1</a:t>
             </a:r>
             <a:r>
-              <a:rPr lang="en-US" dirty="0"/>
+              <a:rPr lang="en-US" sz="2400" dirty="0"/>
               <a:t>) = h(m</a:t>
             </a:r>
             <a:r>
-              <a:rPr lang="en-US" baseline="-25000" dirty="0"/>
+              <a:rPr lang="en-US" sz="2400" baseline="-25000" dirty="0"/>
               <a:t>2</a:t>
             </a:r>
             <a:r>
-              <a:rPr lang="en-US" dirty="0"/>
+              <a:rPr lang="en-US" sz="2400" dirty="0" smtClean="0"/>
               <a:t>)</a:t>
             </a:r>
-          </a:p>
-          <a:p>
-            <a:endParaRPr lang="en-US" dirty="0" smtClean="0">
+            <a:endParaRPr lang="en-US" sz="2800" dirty="0" smtClean="0">
               <a:solidFill>
                 <a:schemeClr val="tx2">
                   <a:lumMod val="60000"/>
@@ -15607,7 +15729,7 @@
           </a:p>
           <a:p>
             <a:r>
-              <a:rPr lang="en-US" dirty="0" smtClean="0">
+              <a:rPr lang="en-US" sz="2800" dirty="0" smtClean="0">
                 <a:solidFill>
                   <a:schemeClr val="tx2">
                     <a:lumMod val="60000"/>
@@ -15626,60 +15748,60 @@
               <a:buNone/>
             </a:pPr>
             <a:r>
-              <a:rPr lang="en-US" dirty="0" smtClean="0"/>
+              <a:rPr lang="en-US" sz="2400" dirty="0" smtClean="0"/>
               <a:t>  find </a:t>
             </a:r>
             <a:r>
-              <a:rPr lang="en-US" i="1" dirty="0"/>
+              <a:rPr lang="en-US" sz="2400" i="1" dirty="0"/>
               <a:t>any</a:t>
             </a:r>
             <a:r>
-              <a:rPr lang="en-US" dirty="0"/>
+              <a:rPr lang="en-US" sz="2400" dirty="0"/>
               <a:t> m</a:t>
             </a:r>
             <a:r>
-              <a:rPr lang="en-US" baseline="-25000" dirty="0"/>
+              <a:rPr lang="en-US" sz="2400" baseline="-25000" dirty="0"/>
               <a:t>1  </a:t>
             </a:r>
             <a:r>
-              <a:rPr lang="en-US" dirty="0"/>
+              <a:rPr lang="en-US" sz="2400" dirty="0"/>
               <a:t>!= m</a:t>
             </a:r>
             <a:r>
-              <a:rPr lang="en-US" baseline="-25000" dirty="0"/>
+              <a:rPr lang="en-US" sz="2400" baseline="-25000" dirty="0"/>
               <a:t>2</a:t>
             </a:r>
             <a:r>
-              <a:rPr lang="en-US" dirty="0"/>
+              <a:rPr lang="en-US" sz="2400" dirty="0"/>
               <a:t> </a:t>
             </a:r>
             <a:r>
-              <a:rPr lang="en-US" dirty="0" err="1"/>
+              <a:rPr lang="en-US" sz="2400" dirty="0" err="1"/>
               <a:t>s.t.</a:t>
             </a:r>
             <a:r>
-              <a:rPr lang="en-US" dirty="0"/>
+              <a:rPr lang="en-US" sz="2400" dirty="0"/>
               <a:t> h(m</a:t>
             </a:r>
             <a:r>
-              <a:rPr lang="en-US" baseline="-25000" dirty="0"/>
+              <a:rPr lang="en-US" sz="2400" baseline="-25000" dirty="0"/>
               <a:t>1</a:t>
             </a:r>
             <a:r>
-              <a:rPr lang="en-US" dirty="0"/>
+              <a:rPr lang="en-US" sz="2400" dirty="0"/>
               <a:t>) = h(m</a:t>
             </a:r>
             <a:r>
-              <a:rPr lang="en-US" baseline="-25000" dirty="0"/>
+              <a:rPr lang="en-US" sz="2400" baseline="-25000" dirty="0"/>
               <a:t>2</a:t>
             </a:r>
             <a:r>
-              <a:rPr lang="en-US" dirty="0"/>
+              <a:rPr lang="en-US" sz="2400" dirty="0"/>
               <a:t>)</a:t>
             </a:r>
           </a:p>
           <a:p>
-            <a:endParaRPr lang="en-US" dirty="0" smtClean="0">
+            <a:endParaRPr lang="en-US" sz="2800" dirty="0" smtClean="0">
               <a:solidFill>
                 <a:schemeClr val="tx2">
                   <a:lumMod val="60000"/>
@@ -15745,7 +15867,7 @@
         </p:spPr>
         <p:txBody>
           <a:bodyPr>
-            <a:normAutofit fontScale="77500" lnSpcReduction="20000"/>
+            <a:normAutofit fontScale="85000" lnSpcReduction="20000"/>
           </a:bodyPr>
           <a:lstStyle/>
           <a:p>
@@ -15809,17 +15931,6 @@
             </a:r>
           </a:p>
           <a:p>
-            <a:pPr marL="457200">
-              <a:spcBef>
-                <a:spcPts val="600"/>
-              </a:spcBef>
-            </a:pPr>
-            <a:r>
-              <a:rPr lang="en-US" sz="2600" dirty="0" smtClean="0"/>
-              <a:t>You’ll investigate this in MP 3</a:t>
-            </a:r>
-          </a:p>
-          <a:p>
             <a:r>
               <a:rPr lang="en-US" sz="3000" b="1" dirty="0" smtClean="0">
                 <a:solidFill>
@@ -15828,6 +15939,11 @@
               </a:rPr>
               <a:t>SHA1</a:t>
             </a:r>
+            <a:endParaRPr lang="en-US" sz="3000" b="1" dirty="0" smtClean="0">
+              <a:solidFill>
+                <a:schemeClr val="accent1"/>
+              </a:solidFill>
+            </a:endParaRPr>
           </a:p>
           <a:p>
             <a:pPr marL="457200">
@@ -16286,7 +16402,7 @@
                   <a:t>) </a:t>
                 </a:r>
                 <a14:m>
-                  <m:oMath xmlns="" xmlns:m="http://schemas.openxmlformats.org/officeDocument/2006/math">
+                  <m:oMath xmlns:m="http://schemas.openxmlformats.org/officeDocument/2006/math" xmlns="">
                     <m:r>
                       <a:rPr lang="en-US" sz="2400" i="1">
                         <a:latin typeface="Cambria Math"/>
@@ -16347,7 +16463,7 @@
                   <a:t>, </a:t>
                 </a:r>
                 <a14:m>
-                  <m:oMath xmlns="" xmlns:m="http://schemas.openxmlformats.org/officeDocument/2006/math">
+                  <m:oMath xmlns:m="http://schemas.openxmlformats.org/officeDocument/2006/math" xmlns="">
                     <m:sSup>
                       <m:sSupPr>
                         <m:ctrlPr>
@@ -16387,7 +16503,7 @@
                   <a:t> for a new</a:t>
                 </a:r>
                 <a14:m>
-                  <m:oMath xmlns="" xmlns:m="http://schemas.openxmlformats.org/officeDocument/2006/math">
+                  <m:oMath xmlns:m="http://schemas.openxmlformats.org/officeDocument/2006/math" xmlns="">
                     <m:r>
                       <a:rPr lang="en-US" sz="2400">
                         <a:latin typeface="Cambria Math"/>
@@ -16617,7 +16733,7 @@
 </file>
 
 <file path=ppt/slides/slide18.xml><?xml version="1.0" encoding="utf-8"?>
-<p:sld xmlns:a="http://schemas.openxmlformats.org/drawingml/2006/main" xmlns:r="http://schemas.openxmlformats.org/officeDocument/2006/relationships" xmlns:p="http://schemas.openxmlformats.org/presentationml/2006/main">
+<p:sld xmlns:a="http://schemas.openxmlformats.org/drawingml/2006/main" xmlns:r="http://schemas.openxmlformats.org/officeDocument/2006/relationships" xmlns:p="http://schemas.openxmlformats.org/presentationml/2006/main" show="0">
   <p:cSld>
     <p:spTree>
       <p:nvGrpSpPr>
@@ -16814,6 +16930,14 @@
   <p:clrMapOvr>
     <a:masterClrMapping/>
   </p:clrMapOvr>
+  <mc:AlternateContent xmlns:mc="http://schemas.openxmlformats.org/markup-compatibility/2006">
+    <mc:Choice xmlns:p14="http://schemas.microsoft.com/office/powerpoint/2010/main" Requires="p14">
+      <p:transition spd="slow" p14:dur="2000"/>
+    </mc:Choice>
+    <mc:Fallback>
+      <p:transition xmlns:p14="http://schemas.microsoft.com/office/powerpoint/2010/main" spd="slow"/>
+    </mc:Fallback>
+  </mc:AlternateContent>
   <p:timing>
     <p:tnLst>
       <p:par>
@@ -17982,11 +18106,11 @@
   <p:clrMapOvr>
     <a:masterClrMapping/>
   </p:clrMapOvr>
-  <mc:AlternateContent xmlns:mc="http://schemas.openxmlformats.org/markup-compatibility/2006">
-    <mc:Choice xmlns:p14="http://schemas.microsoft.com/office/powerpoint/2010/main" Requires="p14">
+  <mc:AlternateContent xmlns:mc="http://schemas.openxmlformats.org/markup-compatibility/2006" xmlns:p14="http://schemas.microsoft.com/office/powerpoint/2010/main">
+    <mc:Choice Requires="p14">
       <p:transition spd="slow" p14:dur="2000"/>
     </mc:Choice>
-    <mc:Fallback>
+    <mc:Fallback xmlns="">
       <p:transition xmlns:p14="http://schemas.microsoft.com/office/powerpoint/2010/main" spd="slow"/>
     </mc:Fallback>
   </mc:AlternateContent>
@@ -18248,15 +18372,7 @@
                   <a:schemeClr val="accent1"/>
                 </a:solidFill>
               </a:rPr>
-              <a:t>Pseudorandom </a:t>
-            </a:r>
-            <a:r>
-              <a:rPr lang="en-US" b="1" dirty="0" smtClean="0">
-                <a:solidFill>
-                  <a:schemeClr val="accent1"/>
-                </a:solidFill>
-              </a:rPr>
-              <a:t>Generator</a:t>
+              <a:t>Pseudorandom Generator</a:t>
             </a:r>
             <a:r>
               <a:rPr lang="en-US" dirty="0" smtClean="0">
@@ -18264,15 +18380,7 @@
                   <a:schemeClr val="accent1"/>
                 </a:solidFill>
               </a:rPr>
-              <a:t> </a:t>
-            </a:r>
-            <a:r>
-              <a:rPr lang="en-US" dirty="0" smtClean="0">
-                <a:solidFill>
-                  <a:schemeClr val="accent1"/>
-                </a:solidFill>
-              </a:rPr>
-              <a:t>(</a:t>
+              <a:t> (</a:t>
             </a:r>
             <a:r>
               <a:rPr lang="en-US" b="1" dirty="0" smtClean="0">
@@ -18362,8 +18470,12 @@
           <a:lstStyle/>
           <a:p>
             <a:r>
+              <a:rPr lang="en-US" sz="3500" b="1" dirty="0" smtClean="0"/>
+              <a:t>Definition:</a:t>
+            </a:r>
+            <a:r>
               <a:rPr lang="en-US" sz="3500" dirty="0" smtClean="0"/>
-              <a:t>Definition: </a:t>
+              <a:t> </a:t>
             </a:r>
             <a:r>
               <a:rPr lang="en-US" sz="3500" b="1" dirty="0" smtClean="0"/>
@@ -18578,14 +18690,23 @@
           </a:bodyPr>
           <a:lstStyle/>
           <a:p>
-            <a:r>
-              <a:rPr lang="en-US" sz="3000" dirty="0" smtClean="0"/>
+            <a:pPr algn="ctr"/>
+            <a:r>
+              <a:rPr lang="en-US" sz="4100" b="1" dirty="0" smtClean="0"/>
               <a:t>Here’s a </a:t>
             </a:r>
             <a:r>
-              <a:rPr lang="en-US" sz="3000" i="1" dirty="0" smtClean="0"/>
-              <a:t>simple PRG that works:</a:t>
-            </a:r>
+              <a:rPr lang="en-US" sz="4100" b="1" i="1" dirty="0" smtClean="0"/>
+              <a:t>simple PRG that </a:t>
+            </a:r>
+            <a:r>
+              <a:rPr lang="en-US" sz="4100" b="1" i="1" dirty="0" smtClean="0"/>
+              <a:t>works</a:t>
+            </a:r>
+            <a:br>
+              <a:rPr lang="en-US" sz="4100" b="1" i="1" dirty="0" smtClean="0"/>
+            </a:br>
+            <a:endParaRPr lang="en-US" sz="4100" b="1" i="1" dirty="0" smtClean="0"/>
           </a:p>
           <a:p>
             <a:pPr lvl="1">
@@ -19090,8 +19211,9 @@
           </a:bodyPr>
           <a:lstStyle/>
           <a:p>
-            <a:r>
-              <a:rPr lang="en-US" sz="3000" b="1" dirty="0" smtClean="0"/>
+            <a:pPr algn="ctr"/>
+            <a:r>
+              <a:rPr lang="en-US" sz="4700" b="1" dirty="0" smtClean="0"/>
               <a:t>Where do we get true randomness?</a:t>
             </a:r>
           </a:p>
@@ -19367,11 +19489,7 @@
           <a:p>
             <a:r>
               <a:rPr lang="en-US" dirty="0" smtClean="0"/>
-              <a:t>True </a:t>
-            </a:r>
-            <a:r>
-              <a:rPr lang="en-US" dirty="0" smtClean="0"/>
-              <a:t>Randomness</a:t>
+              <a:t>True Randomness</a:t>
             </a:r>
             <a:endParaRPr lang="en-US" dirty="0"/>
           </a:p>
@@ -20110,7 +20228,7 @@
         </p:nvSpPr>
         <p:spPr>
           <a:xfrm>
-            <a:off x="457200" y="285753"/>
+            <a:off x="457200" y="777878"/>
             <a:ext cx="8229600" cy="5200649"/>
           </a:xfrm>
         </p:spPr>
@@ -20124,7 +20242,7 @@
               <a:buNone/>
             </a:pPr>
             <a:r>
-              <a:rPr lang="en-US" b="1" dirty="0" smtClean="0">
+              <a:rPr lang="en-US" sz="3800" b="1" dirty="0" smtClean="0">
                 <a:solidFill>
                   <a:schemeClr val="accent1"/>
                 </a:solidFill>
@@ -20209,7 +20327,7 @@
         </p:nvGrpSpPr>
         <p:grpSpPr>
           <a:xfrm>
-            <a:off x="1524000" y="2628900"/>
+            <a:off x="1524000" y="3057525"/>
             <a:ext cx="6705600" cy="580293"/>
             <a:chOff x="1143000" y="3722076"/>
             <a:chExt cx="5029200" cy="773724"/>
@@ -20548,11 +20666,7 @@
           <a:p>
             <a:r>
               <a:rPr lang="en-US" dirty="0" smtClean="0"/>
-              <a:t>Pseudorandom </a:t>
-            </a:r>
-            <a:r>
-              <a:rPr lang="en-US" dirty="0" smtClean="0"/>
-              <a:t>Generator</a:t>
+              <a:t>Pseudorandom Generator</a:t>
             </a:r>
             <a:endParaRPr lang="en-US" dirty="0"/>
           </a:p>
@@ -20575,8 +20689,15 @@
           <a:p>
             <a:r>
               <a:rPr lang="en-US" dirty="0" smtClean="0"/>
-              <a:t>Input: a small “seed” that’s truly random</a:t>
-            </a:r>
+              <a:t>Input: a small “seed” that’s truly </a:t>
+            </a:r>
+            <a:r>
+              <a:rPr lang="en-US" dirty="0" smtClean="0"/>
+              <a:t>random</a:t>
+            </a:r>
+          </a:p>
+          <a:p>
+            <a:endParaRPr lang="en-US" dirty="0" smtClean="0"/>
           </a:p>
           <a:p>
             <a:r>
@@ -20588,8 +20709,16 @@
             <a:pPr lvl="1"/>
             <a:r>
               <a:rPr lang="en-US" dirty="0" smtClean="0"/>
-              <a:t>“as good as random”</a:t>
-            </a:r>
+              <a:t>“as good as random</a:t>
+            </a:r>
+            <a:r>
+              <a:rPr lang="en-US" dirty="0" smtClean="0"/>
+              <a:t>”</a:t>
+            </a:r>
+          </a:p>
+          <a:p>
+            <a:pPr lvl="1"/>
+            <a:endParaRPr lang="en-US" dirty="0" smtClean="0"/>
           </a:p>
           <a:p>
             <a:r>
@@ -20605,17 +20734,9 @@
             </a:r>
           </a:p>
           <a:p>
-            <a:pPr lvl="1"/>
-            <a:endParaRPr lang="en-US" dirty="0"/>
-          </a:p>
-          <a:p>
-            <a:pPr marL="0" indent="0">
+            <a:pPr marL="457200" lvl="1" indent="0">
               <a:buNone/>
             </a:pPr>
-            <a:r>
-              <a:rPr lang="en-US" dirty="0" smtClean="0"/>
-              <a:t>Sound familiar?</a:t>
-            </a:r>
             <a:endParaRPr lang="en-US" dirty="0"/>
           </a:p>
         </p:txBody>
@@ -21299,15 +21420,7 @@
           <a:p>
             <a:r>
               <a:rPr lang="en-US" dirty="0" smtClean="0"/>
-              <a:t>PRF </a:t>
-            </a:r>
-            <a:r>
-              <a:rPr lang="en-US" dirty="0" smtClean="0"/>
-              <a:t>vs. </a:t>
-            </a:r>
-            <a:r>
-              <a:rPr lang="en-US" dirty="0" smtClean="0"/>
-              <a:t>PRG</a:t>
+              <a:t>PRF vs. PRG</a:t>
             </a:r>
             <a:endParaRPr lang="en-US" dirty="0"/>
           </a:p>
@@ -21435,11 +21548,7 @@
           <a:p>
             <a:r>
               <a:rPr lang="en-US" dirty="0" smtClean="0"/>
-              <a:t>Generating a PRG </a:t>
-            </a:r>
-            <a:r>
-              <a:rPr lang="en-US" dirty="0" smtClean="0"/>
-              <a:t>from PRF</a:t>
+              <a:t>Generating a PRG from PRF</a:t>
             </a:r>
             <a:endParaRPr lang="en-US" dirty="0"/>
           </a:p>
@@ -21969,7 +22078,7 @@
         <p:spPr/>
         <p:txBody>
           <a:bodyPr>
-            <a:normAutofit fontScale="92500" lnSpcReduction="20000"/>
+            <a:normAutofit fontScale="92500" lnSpcReduction="10000"/>
           </a:bodyPr>
           <a:lstStyle/>
           <a:p>
@@ -22040,14 +22149,13 @@
               <a:rPr lang="en-US" dirty="0" smtClean="0"/>
               <a:t>Prevents this attack: </a:t>
             </a:r>
-          </a:p>
-          <a:p>
-            <a:pPr marL="0" indent="0">
-              <a:buNone/>
-            </a:pPr>
-            <a:r>
-              <a:rPr lang="en-US" dirty="0" smtClean="0"/>
-              <a:t>	Mallory saves </a:t>
+            <a:r>
+              <a:rPr lang="en-US" dirty="0" smtClean="0"/>
+              <a:t>Mallory </a:t>
+            </a:r>
+            <a:r>
+              <a:rPr lang="en-US" dirty="0" smtClean="0"/>
+              <a:t>saves </a:t>
             </a:r>
             <a:r>
               <a:rPr lang="en-US" dirty="0" err="1" smtClean="0"/>
@@ -22123,15 +22231,7 @@
           <a:p>
             <a:r>
               <a:rPr lang="en-US" dirty="0" smtClean="0"/>
-              <a:t>Forward</a:t>
-            </a:r>
-            <a:r>
-              <a:rPr lang="en-US" dirty="0" smtClean="0"/>
-              <a:t>-Secure </a:t>
-            </a:r>
-            <a:r>
-              <a:rPr lang="en-US" dirty="0" smtClean="0"/>
-              <a:t>PRG</a:t>
+              <a:t>Forward-Secure PRG</a:t>
             </a:r>
             <a:endParaRPr lang="en-US" dirty="0"/>
           </a:p>
@@ -22367,11 +22467,7 @@
           <a:p>
             <a:r>
               <a:rPr lang="en-US" dirty="0" smtClean="0"/>
-              <a:t>Randomness</a:t>
-            </a:r>
-            <a:r>
-              <a:rPr lang="en-US" dirty="0" smtClean="0"/>
-              <a:t>/</a:t>
+              <a:t>Randomness/</a:t>
             </a:r>
             <a:r>
               <a:rPr lang="en-US" dirty="0" err="1"/>
@@ -22383,15 +22479,7 @@
             </a:r>
             <a:r>
               <a:rPr lang="en-US" dirty="0" smtClean="0"/>
-              <a:t> </a:t>
-            </a:r>
-            <a:r>
-              <a:rPr lang="en-US" dirty="0" smtClean="0"/>
-              <a:t>as a </a:t>
-            </a:r>
-            <a:r>
-              <a:rPr lang="en-US" dirty="0" smtClean="0"/>
-              <a:t>System </a:t>
+              <a:t> as a System </a:t>
             </a:r>
             <a:r>
               <a:rPr lang="en-US" dirty="0"/>
@@ -22538,11 +22626,7 @@
           <a:p>
             <a:r>
               <a:rPr lang="en-US" dirty="0" smtClean="0"/>
-              <a:t>Measuring </a:t>
-            </a:r>
-            <a:r>
-              <a:rPr lang="en-US" dirty="0" smtClean="0"/>
-              <a:t>Physical </a:t>
+              <a:t>Measuring Physical </a:t>
             </a:r>
             <a:r>
               <a:rPr lang="en-US" dirty="0"/>
@@ -22598,8 +22682,12 @@
               <a:buNone/>
             </a:pPr>
             <a:r>
-              <a:rPr lang="en-US" dirty="0" smtClean="0"/>
-              <a:t>Good news: bias easily corrected (next slide)</a:t>
+              <a:rPr lang="en-US" b="1" dirty="0" smtClean="0"/>
+              <a:t>Good news: </a:t>
+            </a:r>
+            <a:r>
+              <a:rPr lang="en-US" dirty="0" smtClean="0"/>
+              <a:t>bias easily corrected (next slide)</a:t>
             </a:r>
           </a:p>
           <a:p>
@@ -22688,11 +22776,7 @@
           <a:p>
             <a:r>
               <a:rPr lang="en-US" dirty="0" smtClean="0"/>
-              <a:t>Correcting </a:t>
-            </a:r>
-            <a:r>
-              <a:rPr lang="en-US" dirty="0" smtClean="0"/>
-              <a:t>Bias</a:t>
+              <a:t>Correcting Bias</a:t>
             </a:r>
             <a:endParaRPr lang="en-US" dirty="0"/>
           </a:p>
@@ -22708,10 +22792,15 @@
             <p:ph idx="1"/>
           </p:nvPr>
         </p:nvSpPr>
-        <p:spPr/>
+        <p:spPr>
+          <a:xfrm>
+            <a:off x="171450" y="1600201"/>
+            <a:ext cx="5527675" cy="4525963"/>
+          </a:xfrm>
+        </p:spPr>
         <p:txBody>
           <a:bodyPr>
-            <a:normAutofit fontScale="92500" lnSpcReduction="20000"/>
+            <a:normAutofit fontScale="77500" lnSpcReduction="20000"/>
           </a:bodyPr>
           <a:lstStyle/>
           <a:p>
@@ -22739,9 +22828,6 @@
             </a:endParaRPr>
           </a:p>
           <a:p>
-            <a:pPr marL="0" indent="0">
-              <a:buNone/>
-            </a:pPr>
             <a:r>
               <a:rPr lang="en-US" b="1" dirty="0" smtClean="0">
                 <a:solidFill>
@@ -22751,7 +22837,7 @@
                   </a:schemeClr>
                 </a:solidFill>
               </a:rPr>
-              <a:t>	Given</a:t>
+              <a:t>Given</a:t>
             </a:r>
             <a:r>
               <a:rPr lang="en-US" b="1" dirty="0">
@@ -22766,9 +22852,6 @@
             </a:r>
           </a:p>
           <a:p>
-            <a:pPr marL="0" indent="0">
-              <a:buNone/>
-            </a:pPr>
             <a:r>
               <a:rPr lang="en-US" b="1" dirty="0" smtClean="0">
                 <a:solidFill>
@@ -22778,7 +22861,7 @@
                   </a:schemeClr>
                 </a:solidFill>
               </a:rPr>
-              <a:t>	Successive </a:t>
+              <a:t>Successive </a:t>
             </a:r>
             <a:r>
               <a:rPr lang="en-US" b="1" dirty="0">
@@ -22793,9 +22876,6 @@
             </a:r>
           </a:p>
           <a:p>
-            <a:pPr marL="0" indent="0">
-              <a:buNone/>
-            </a:pPr>
             <a:r>
               <a:rPr lang="en-US" b="1" dirty="0" smtClean="0">
                 <a:solidFill>
@@ -22805,7 +22885,7 @@
                   </a:schemeClr>
                 </a:solidFill>
               </a:rPr>
-              <a:t>	Generate </a:t>
+              <a:t>Generate </a:t>
             </a:r>
             <a:r>
               <a:rPr lang="en-US" b="1" dirty="0">
@@ -22850,45 +22930,96 @@
             </a:r>
           </a:p>
           <a:p>
-            <a:pPr marL="0" indent="0">
-              <a:buNone/>
-            </a:pPr>
-            <a:r>
-              <a:rPr lang="en-US" dirty="0" smtClean="0"/>
-              <a:t>    To generate a bit, toss the coin twice</a:t>
-            </a:r>
-          </a:p>
-          <a:p>
-            <a:pPr marL="0" indent="0">
-              <a:buNone/>
-            </a:pPr>
+            <a:r>
+              <a:rPr lang="en-US" dirty="0" smtClean="0"/>
+              <a:t>  </a:t>
+            </a:r>
+            <a:r>
+              <a:rPr lang="en-US" dirty="0" smtClean="0"/>
+              <a:t>To </a:t>
+            </a:r>
+            <a:r>
+              <a:rPr lang="en-US" dirty="0" smtClean="0"/>
+              <a:t>generate a bit, toss the coin twice</a:t>
+            </a:r>
+          </a:p>
+          <a:p>
             <a:r>
               <a:rPr lang="en-US" dirty="0"/>
               <a:t> </a:t>
             </a:r>
             <a:r>
               <a:rPr lang="en-US" dirty="0" smtClean="0"/>
-              <a:t>   If HT output 0, if TH output 1</a:t>
-            </a:r>
-          </a:p>
-          <a:p>
-            <a:pPr marL="0" indent="0">
-              <a:buNone/>
-            </a:pPr>
-            <a:r>
-              <a:rPr lang="en-US" dirty="0" smtClean="0"/>
-              <a:t>    If HH or TT, discard and toss twice again (repeat)</a:t>
+              <a:t> </a:t>
+            </a:r>
+            <a:r>
+              <a:rPr lang="en-US" dirty="0" smtClean="0"/>
+              <a:t>If </a:t>
+            </a:r>
+            <a:r>
+              <a:rPr lang="en-US" dirty="0" smtClean="0"/>
+              <a:t>HT output 0, if TH output 1</a:t>
+            </a:r>
+          </a:p>
+          <a:p>
+            <a:r>
+              <a:rPr lang="en-US" dirty="0" smtClean="0"/>
+              <a:t>  </a:t>
+            </a:r>
+            <a:r>
+              <a:rPr lang="en-US" dirty="0" smtClean="0"/>
+              <a:t>If </a:t>
+            </a:r>
+            <a:r>
+              <a:rPr lang="en-US" dirty="0" smtClean="0"/>
+              <a:t>HH or TT, discard </a:t>
+            </a:r>
+            <a:r>
+              <a:rPr lang="en-US" dirty="0" smtClean="0"/>
+              <a:t/>
+            </a:r>
+            <a:br>
+              <a:rPr lang="en-US" dirty="0" smtClean="0"/>
+            </a:br>
+            <a:r>
+              <a:rPr lang="en-US" dirty="0" smtClean="0"/>
+              <a:t>	and </a:t>
+            </a:r>
+            <a:r>
+              <a:rPr lang="en-US" dirty="0" smtClean="0"/>
+              <a:t>toss twice again (repeat)</a:t>
             </a:r>
             <a:endParaRPr lang="en-US" dirty="0"/>
           </a:p>
           <a:p>
-            <a:pPr marL="0" indent="0">
-              <a:buNone/>
-            </a:pPr>
             <a:endParaRPr lang="en-US" dirty="0"/>
           </a:p>
         </p:txBody>
       </p:sp>
+      <p:pic>
+        <p:nvPicPr>
+          <p:cNvPr id="4" name="Picture 3"/>
+          <p:cNvPicPr>
+            <a:picLocks noChangeAspect="1"/>
+          </p:cNvPicPr>
+          <p:nvPr/>
+        </p:nvPicPr>
+        <p:blipFill>
+          <a:blip r:embed="rId3"/>
+          <a:stretch>
+            <a:fillRect/>
+          </a:stretch>
+        </p:blipFill>
+        <p:spPr>
+          <a:xfrm>
+            <a:off x="4798579" y="2659064"/>
+            <a:ext cx="4202545" cy="3467100"/>
+          </a:xfrm>
+          <a:prstGeom prst="rect">
+            <a:avLst/>
+          </a:prstGeom>
+        </p:spPr>
+      </p:pic>
     </p:spTree>
     <p:extLst>
       <p:ext uri="{BB962C8B-B14F-4D97-AF65-F5344CB8AC3E}">
@@ -23105,6 +23236,193 @@
                       </p:childTnLst>
                     </p:cTn>
                   </p:par>
+                  <p:par>
+                    <p:cTn id="17" fill="hold">
+                      <p:stCondLst>
+                        <p:cond delay="indefinite"/>
+                      </p:stCondLst>
+                      <p:childTnLst>
+                        <p:par>
+                          <p:cTn id="18" fill="hold">
+                            <p:stCondLst>
+                              <p:cond delay="0"/>
+                            </p:stCondLst>
+                            <p:childTnLst>
+                              <p:par>
+                                <p:cTn id="19" presetID="1" presetClass="entr" presetSubtype="0" fill="hold" nodeType="clickEffect">
+                                  <p:stCondLst>
+                                    <p:cond delay="0"/>
+                                  </p:stCondLst>
+                                  <p:childTnLst>
+                                    <p:set>
+                                      <p:cBhvr>
+                                        <p:cTn id="20" dur="1" fill="hold">
+                                          <p:stCondLst>
+                                            <p:cond delay="0"/>
+                                          </p:stCondLst>
+                                        </p:cTn>
+                                        <p:tgtEl>
+                                          <p:spTgt spid="3">
+                                            <p:txEl>
+                                              <p:pRg st="5" end="5"/>
+                                            </p:txEl>
+                                          </p:spTgt>
+                                        </p:tgtEl>
+                                        <p:attrNameLst>
+                                          <p:attrName>style.visibility</p:attrName>
+                                        </p:attrNameLst>
+                                      </p:cBhvr>
+                                      <p:to>
+                                        <p:strVal val="visible"/>
+                                      </p:to>
+                                    </p:set>
+                                  </p:childTnLst>
+                                </p:cTn>
+                              </p:par>
+                              <p:par>
+                                <p:cTn id="21" presetID="1" presetClass="entr" presetSubtype="0" fill="hold" nodeType="withEffect">
+                                  <p:stCondLst>
+                                    <p:cond delay="0"/>
+                                  </p:stCondLst>
+                                  <p:childTnLst>
+                                    <p:set>
+                                      <p:cBhvr>
+                                        <p:cTn id="22" dur="1" fill="hold">
+                                          <p:stCondLst>
+                                            <p:cond delay="0"/>
+                                          </p:stCondLst>
+                                        </p:cTn>
+                                        <p:tgtEl>
+                                          <p:spTgt spid="3">
+                                            <p:txEl>
+                                              <p:pRg st="6" end="6"/>
+                                            </p:txEl>
+                                          </p:spTgt>
+                                        </p:tgtEl>
+                                        <p:attrNameLst>
+                                          <p:attrName>style.visibility</p:attrName>
+                                        </p:attrNameLst>
+                                      </p:cBhvr>
+                                      <p:to>
+                                        <p:strVal val="visible"/>
+                                      </p:to>
+                                    </p:set>
+                                  </p:childTnLst>
+                                </p:cTn>
+                              </p:par>
+                              <p:par>
+                                <p:cTn id="23" presetID="1" presetClass="entr" presetSubtype="0" fill="hold" nodeType="withEffect">
+                                  <p:stCondLst>
+                                    <p:cond delay="0"/>
+                                  </p:stCondLst>
+                                  <p:childTnLst>
+                                    <p:set>
+                                      <p:cBhvr>
+                                        <p:cTn id="24" dur="1" fill="hold">
+                                          <p:stCondLst>
+                                            <p:cond delay="0"/>
+                                          </p:stCondLst>
+                                        </p:cTn>
+                                        <p:tgtEl>
+                                          <p:spTgt spid="3">
+                                            <p:txEl>
+                                              <p:pRg st="7" end="7"/>
+                                            </p:txEl>
+                                          </p:spTgt>
+                                        </p:tgtEl>
+                                        <p:attrNameLst>
+                                          <p:attrName>style.visibility</p:attrName>
+                                        </p:attrNameLst>
+                                      </p:cBhvr>
+                                      <p:to>
+                                        <p:strVal val="visible"/>
+                                      </p:to>
+                                    </p:set>
+                                  </p:childTnLst>
+                                </p:cTn>
+                              </p:par>
+                              <p:par>
+                                <p:cTn id="25" presetID="1" presetClass="entr" presetSubtype="0" fill="hold" nodeType="withEffect">
+                                  <p:stCondLst>
+                                    <p:cond delay="0"/>
+                                  </p:stCondLst>
+                                  <p:childTnLst>
+                                    <p:set>
+                                      <p:cBhvr>
+                                        <p:cTn id="26" dur="1" fill="hold">
+                                          <p:stCondLst>
+                                            <p:cond delay="0"/>
+                                          </p:stCondLst>
+                                        </p:cTn>
+                                        <p:tgtEl>
+                                          <p:spTgt spid="3">
+                                            <p:txEl>
+                                              <p:pRg st="8" end="8"/>
+                                            </p:txEl>
+                                          </p:spTgt>
+                                        </p:tgtEl>
+                                        <p:attrNameLst>
+                                          <p:attrName>style.visibility</p:attrName>
+                                        </p:attrNameLst>
+                                      </p:cBhvr>
+                                      <p:to>
+                                        <p:strVal val="visible"/>
+                                      </p:to>
+                                    </p:set>
+                                  </p:childTnLst>
+                                </p:cTn>
+                              </p:par>
+                            </p:childTnLst>
+                          </p:cTn>
+                        </p:par>
+                      </p:childTnLst>
+                    </p:cTn>
+                  </p:par>
+                  <p:par>
+                    <p:cTn id="27" fill="hold">
+                      <p:stCondLst>
+                        <p:cond delay="indefinite"/>
+                      </p:stCondLst>
+                      <p:childTnLst>
+                        <p:par>
+                          <p:cTn id="28" fill="hold">
+                            <p:stCondLst>
+                              <p:cond delay="0"/>
+                            </p:stCondLst>
+                            <p:childTnLst>
+                              <p:par>
+                                <p:cTn id="29" presetID="1" presetClass="entr" presetSubtype="0" fill="hold" nodeType="clickEffect">
+                                  <p:stCondLst>
+                                    <p:cond delay="0"/>
+                                  </p:stCondLst>
+                                  <p:childTnLst>
+                                    <p:set>
+                                      <p:cBhvr>
+                                        <p:cTn id="30" dur="1" fill="hold">
+                                          <p:stCondLst>
+                                            <p:cond delay="0"/>
+                                          </p:stCondLst>
+                                        </p:cTn>
+                                        <p:tgtEl>
+                                          <p:spTgt spid="4"/>
+                                        </p:tgtEl>
+                                        <p:attrNameLst>
+                                          <p:attrName>style.visibility</p:attrName>
+                                        </p:attrNameLst>
+                                      </p:cBhvr>
+                                      <p:to>
+                                        <p:strVal val="visible"/>
+                                      </p:to>
+                                    </p:set>
+                                  </p:childTnLst>
+                                </p:cTn>
+                              </p:par>
+                            </p:childTnLst>
+                          </p:cTn>
+                        </p:par>
+                      </p:childTnLst>
+                    </p:cTn>
+                  </p:par>
                 </p:childTnLst>
               </p:cTn>
               <p:prevCondLst>
@@ -23174,11 +23492,7 @@
             </a:r>
             <a:r>
               <a:rPr lang="en-US" dirty="0" smtClean="0"/>
-              <a:t> </a:t>
-            </a:r>
-            <a:r>
-              <a:rPr lang="en-US" dirty="0" smtClean="0"/>
-              <a:t>Unpredictable </a:t>
+              <a:t> Unpredictable </a:t>
             </a:r>
             <a:r>
               <a:rPr lang="en-US" dirty="0"/>
@@ -23409,17 +23723,17 @@
         <p:spPr>
           <a:xfrm>
             <a:off x="457200" y="285753"/>
-            <a:ext cx="8229600" cy="5200649"/>
+            <a:ext cx="8229600" cy="6397622"/>
           </a:xfrm>
         </p:spPr>
         <p:txBody>
           <a:bodyPr>
-            <a:normAutofit fontScale="70000" lnSpcReduction="20000"/>
+            <a:normAutofit fontScale="85000" lnSpcReduction="20000"/>
           </a:bodyPr>
           <a:lstStyle/>
           <a:p>
             <a:r>
-              <a:rPr lang="en-US" b="1" dirty="0" smtClean="0">
+              <a:rPr lang="en-US" sz="4600" b="1" dirty="0" smtClean="0">
                 <a:solidFill>
                   <a:schemeClr val="accent1"/>
                 </a:solidFill>
@@ -23427,21 +23741,21 @@
               <a:t>Solution: </a:t>
             </a:r>
             <a:br>
-              <a:rPr lang="en-US" b="1" dirty="0" smtClean="0">
+              <a:rPr lang="en-US" sz="4600" b="1" dirty="0" smtClean="0">
                 <a:solidFill>
                   <a:schemeClr val="accent1"/>
                 </a:solidFill>
               </a:rPr>
             </a:br>
             <a:r>
-              <a:rPr lang="en-US" b="1" dirty="0" smtClean="0">
+              <a:rPr lang="en-US" sz="4600" b="1" dirty="0" smtClean="0">
                 <a:solidFill>
                   <a:schemeClr val="accent1"/>
                 </a:solidFill>
               </a:rPr>
               <a:t>Message Authentication Code (MAC)</a:t>
             </a:r>
-            <a:endParaRPr lang="en-US" b="1" dirty="0">
+            <a:endParaRPr lang="en-US" sz="4600" b="1" dirty="0">
               <a:solidFill>
                 <a:schemeClr val="accent1"/>
               </a:solidFill>
@@ -23449,11 +23763,11 @@
           </a:p>
           <a:p>
             <a:r>
-              <a:rPr lang="en-US" dirty="0" smtClean="0"/>
+              <a:rPr lang="en-US" sz="4600" dirty="0" smtClean="0"/>
               <a:t/>
             </a:r>
             <a:br>
-              <a:rPr lang="en-US" dirty="0" smtClean="0"/>
+              <a:rPr lang="en-US" sz="4600" dirty="0" smtClean="0"/>
             </a:br>
             <a:r>
               <a:rPr lang="en-US" dirty="0" smtClean="0"/>
@@ -23717,7 +24031,7 @@
         </p:nvSpPr>
         <p:spPr>
           <a:xfrm>
-            <a:off x="3080247" y="2114551"/>
+            <a:off x="3080247" y="2892426"/>
             <a:ext cx="595035" cy="369332"/>
           </a:xfrm>
           <a:prstGeom prst="rect">
@@ -23755,7 +24069,7 @@
         </p:nvSpPr>
         <p:spPr>
           <a:xfrm>
-            <a:off x="7193280" y="2220100"/>
+            <a:off x="7193280" y="2997975"/>
             <a:ext cx="1036320" cy="334107"/>
           </a:xfrm>
           <a:prstGeom prst="rect">
@@ -23801,7 +24115,7 @@
         </p:nvCxnSpPr>
         <p:spPr>
           <a:xfrm>
-            <a:off x="2458720" y="2390708"/>
+            <a:off x="2458720" y="3168583"/>
             <a:ext cx="1828800" cy="843"/>
           </a:xfrm>
           <a:prstGeom prst="straightConnector1">
@@ -23834,7 +24148,7 @@
         </p:nvCxnSpPr>
         <p:spPr>
           <a:xfrm>
-            <a:off x="5384800" y="2391549"/>
+            <a:off x="5384800" y="3169424"/>
             <a:ext cx="1828800" cy="843"/>
           </a:xfrm>
           <a:prstGeom prst="straightConnector1">
@@ -23867,7 +24181,7 @@
         </p:nvSpPr>
         <p:spPr>
           <a:xfrm>
-            <a:off x="6021750" y="2114551"/>
+            <a:off x="6021750" y="2892426"/>
             <a:ext cx="690401" cy="369332"/>
           </a:xfrm>
           <a:prstGeom prst="rect">
@@ -23906,7 +24220,7 @@
         </p:nvSpPr>
         <p:spPr>
           <a:xfrm>
-            <a:off x="1727200" y="2220100"/>
+            <a:off x="1727200" y="2997975"/>
             <a:ext cx="1016000" cy="334107"/>
           </a:xfrm>
           <a:prstGeom prst="rect">
@@ -23950,7 +24264,7 @@
         </p:nvSpPr>
         <p:spPr>
           <a:xfrm>
-            <a:off x="4287520" y="2220101"/>
+            <a:off x="4287520" y="2997976"/>
             <a:ext cx="1402080" cy="342899"/>
           </a:xfrm>
           <a:prstGeom prst="rect">
@@ -24042,7 +24356,11 @@
           <a:p>
             <a:r>
               <a:rPr lang="en-US" dirty="0" smtClean="0"/>
-              <a:t>Generating unpredictable bits from the environment</a:t>
+              <a:t>Generating </a:t>
+            </a:r>
+            <a:r>
+              <a:rPr lang="en-US" dirty="0" smtClean="0"/>
+              <a:t>Unpredictable Bits from the Environment</a:t>
             </a:r>
             <a:endParaRPr lang="en-US" dirty="0"/>
           </a:p>
@@ -24082,11 +24400,7 @@
             </a:r>
             <a:r>
               <a:rPr lang="en-US" dirty="0" smtClean="0"/>
-              <a:t>we’re OK as long as there is “enough randomness” in the </a:t>
-            </a:r>
-            <a:r>
-              <a:rPr lang="en-US" dirty="0" smtClean="0"/>
-              <a:t>data</a:t>
+              <a:t>we’re OK as long as there is “enough randomness” in the data</a:t>
             </a:r>
           </a:p>
           <a:p>
@@ -24211,7 +24525,70 @@
       </p:grpSpPr>
       <p:sp>
         <p:nvSpPr>
-          <p:cNvPr id="2" name="Title 1"/>
+          <p:cNvPr id="3" name="Content Placeholder 2"/>
+          <p:cNvSpPr>
+            <a:spLocks noGrp="1"/>
+          </p:cNvSpPr>
+          <p:nvPr>
+            <p:ph idx="1"/>
+          </p:nvPr>
+        </p:nvSpPr>
+        <p:spPr/>
+        <p:txBody>
+          <a:bodyPr>
+            <a:normAutofit lnSpcReduction="10000"/>
+          </a:bodyPr>
+          <a:lstStyle/>
+          <a:p>
+            <a:r>
+              <a:rPr lang="en-US" b="1" dirty="0" smtClean="0"/>
+              <a:t>Problem:</a:t>
+            </a:r>
+            <a:r>
+              <a:rPr lang="en-US" dirty="0" smtClean="0"/>
+              <a:t> How do you know when you have enough randomness?</a:t>
+            </a:r>
+          </a:p>
+          <a:p>
+            <a:pPr lvl="1"/>
+            <a:r>
+              <a:rPr lang="en-US" dirty="0" smtClean="0"/>
+              <a:t>Usual solution: collect way too much, just to be sure</a:t>
+            </a:r>
+            <a:endParaRPr lang="en-US" dirty="0"/>
+          </a:p>
+          <a:p>
+            <a:endParaRPr lang="en-US" dirty="0" smtClean="0"/>
+          </a:p>
+          <a:p>
+            <a:r>
+              <a:rPr lang="en-US" b="1" dirty="0" smtClean="0"/>
+              <a:t>Problem:</a:t>
+            </a:r>
+            <a:r>
+              <a:rPr lang="en-US" dirty="0" smtClean="0"/>
+              <a:t> not much entropy on boot</a:t>
+            </a:r>
+          </a:p>
+          <a:p>
+            <a:pPr lvl="1"/>
+            <a:r>
+              <a:rPr lang="en-US" dirty="0" smtClean="0"/>
+              <a:t>But need to generate keys</a:t>
+            </a:r>
+          </a:p>
+          <a:p>
+            <a:pPr lvl="1"/>
+            <a:r>
+              <a:rPr lang="en-US" dirty="0" smtClean="0"/>
+              <a:t>Possible solution: save pseudorandom value before shutdown</a:t>
+            </a:r>
+          </a:p>
+        </p:txBody>
+      </p:sp>
+      <p:sp>
+        <p:nvSpPr>
+          <p:cNvPr id="7" name="Title 1"/>
           <p:cNvSpPr>
             <a:spLocks noGrp="1"/>
           </p:cNvSpPr>
@@ -24219,7 +24596,12 @@
             <p:ph type="title"/>
           </p:nvPr>
         </p:nvSpPr>
-        <p:spPr/>
+        <p:spPr>
+          <a:xfrm>
+            <a:off x="457200" y="274639"/>
+            <a:ext cx="8229600" cy="1143000"/>
+          </a:xfrm>
+        </p:spPr>
         <p:txBody>
           <a:bodyPr>
             <a:normAutofit fontScale="90000"/>
@@ -24228,72 +24610,13 @@
           <a:p>
             <a:r>
               <a:rPr lang="en-US" dirty="0" smtClean="0"/>
-              <a:t>Generating unpredictable bits from the environment</a:t>
+              <a:t>Generating </a:t>
+            </a:r>
+            <a:r>
+              <a:rPr lang="en-US" dirty="0" smtClean="0"/>
+              <a:t>Unpredictable Bits from the Environment</a:t>
             </a:r>
             <a:endParaRPr lang="en-US" dirty="0"/>
-          </a:p>
-        </p:txBody>
-      </p:sp>
-      <p:sp>
-        <p:nvSpPr>
-          <p:cNvPr id="3" name="Content Placeholder 2"/>
-          <p:cNvSpPr>
-            <a:spLocks noGrp="1"/>
-          </p:cNvSpPr>
-          <p:nvPr>
-            <p:ph idx="1"/>
-          </p:nvPr>
-        </p:nvSpPr>
-        <p:spPr/>
-        <p:txBody>
-          <a:bodyPr>
-            <a:normAutofit lnSpcReduction="10000"/>
-          </a:bodyPr>
-          <a:lstStyle/>
-          <a:p>
-            <a:r>
-              <a:rPr lang="en-US" b="1" dirty="0" smtClean="0"/>
-              <a:t>Problem:</a:t>
-            </a:r>
-            <a:r>
-              <a:rPr lang="en-US" dirty="0" smtClean="0"/>
-              <a:t> How do you know when you have enough randomness?</a:t>
-            </a:r>
-          </a:p>
-          <a:p>
-            <a:pPr lvl="1"/>
-            <a:r>
-              <a:rPr lang="en-US" dirty="0" smtClean="0"/>
-              <a:t>Usual solution: collect way too much, just to be sure</a:t>
-            </a:r>
-            <a:endParaRPr lang="en-US" dirty="0"/>
-          </a:p>
-          <a:p>
-            <a:endParaRPr lang="en-US" dirty="0" smtClean="0"/>
-          </a:p>
-          <a:p>
-            <a:r>
-              <a:rPr lang="en-US" b="1" dirty="0" smtClean="0"/>
-              <a:t>Problem:</a:t>
-            </a:r>
-            <a:r>
-              <a:rPr lang="en-US" dirty="0" smtClean="0"/>
-              <a:t> not much entropy on boot</a:t>
-            </a:r>
-          </a:p>
-          <a:p>
-            <a:pPr lvl="1"/>
-            <a:r>
-              <a:rPr lang="en-US" dirty="0" smtClean="0"/>
-              <a:t>But need to generate keys</a:t>
-            </a:r>
-          </a:p>
-          <a:p>
-            <a:pPr lvl="1"/>
-            <a:r>
-              <a:rPr lang="en-US" dirty="0" smtClean="0"/>
-              <a:t>Possible solution: save pseudorandom value before shutdown</a:t>
-            </a:r>
           </a:p>
         </p:txBody>
       </p:sp>
@@ -24390,11 +24713,7 @@
           <a:p>
             <a:r>
               <a:rPr lang="en-US" dirty="0" smtClean="0"/>
-              <a:t>We’re </a:t>
-            </a:r>
-            <a:r>
-              <a:rPr lang="en-US" dirty="0" smtClean="0"/>
-              <a:t>OK as long as </a:t>
+              <a:t>We’re OK as long as </a:t>
             </a:r>
             <a:r>
               <a:rPr lang="en-US" u="sng" dirty="0" smtClean="0"/>
@@ -25076,23 +25395,7 @@
             <a:pPr lvl="1"/>
             <a:r>
               <a:rPr lang="en-US" dirty="0" smtClean="0"/>
-              <a:t>Improves security for everyone </a:t>
-            </a:r>
-            <a:r>
-              <a:rPr lang="en-US" dirty="0" smtClean="0"/>
-              <a:t>who</a:t>
-            </a:r>
-            <a:r>
-              <a:rPr lang="en-US" dirty="0" smtClean="0"/>
-              <a:t>se</a:t>
-            </a:r>
-            <a:r>
-              <a:rPr lang="en-US" dirty="0" smtClean="0"/>
-              <a:t> </a:t>
-            </a:r>
-            <a:r>
-              <a:rPr lang="en-US" dirty="0" smtClean="0"/>
-              <a:t>adversary is </a:t>
+              <a:t>Improves security for everyone whose adversary is </a:t>
             </a:r>
             <a:r>
               <a:rPr lang="en-US" u="sng" dirty="0" smtClean="0"/>
@@ -25164,27 +25467,27 @@
         <p:spPr/>
         <p:txBody>
           <a:bodyPr>
-            <a:normAutofit fontScale="77500" lnSpcReduction="20000"/>
+            <a:noAutofit/>
           </a:bodyPr>
           <a:lstStyle/>
           <a:p>
             <a:r>
-              <a:rPr lang="en-US" dirty="0" smtClean="0"/>
+              <a:rPr lang="en-US" sz="2800" dirty="0" smtClean="0"/>
               <a:t>Candidate </a:t>
             </a:r>
             <a:r>
-              <a:rPr lang="en-US" b="1" i="1" dirty="0" smtClean="0"/>
+              <a:rPr lang="en-US" sz="2800" b="1" i="1" dirty="0" smtClean="0"/>
               <a:t>f</a:t>
             </a:r>
             <a:r>
-              <a:rPr lang="en-US" dirty="0" smtClean="0"/>
+              <a:rPr lang="en-US" sz="2800" dirty="0" smtClean="0"/>
               <a:t>: </a:t>
             </a:r>
             <a:br>
-              <a:rPr lang="en-US" dirty="0" smtClean="0"/>
+              <a:rPr lang="en-US" sz="2800" dirty="0" smtClean="0"/>
             </a:br>
             <a:r>
-              <a:rPr lang="en-US" b="1" dirty="0" smtClean="0">
+              <a:rPr lang="en-US" sz="2800" b="1" dirty="0" smtClean="0">
                 <a:solidFill>
                   <a:schemeClr val="accent1"/>
                 </a:solidFill>
@@ -25203,11 +25506,11 @@
               <a:buNone/>
             </a:pPr>
             <a:r>
-              <a:rPr lang="en-US" sz="2600" i="1" dirty="0" smtClean="0"/>
+              <a:rPr lang="en-US" sz="2400" i="1" dirty="0" smtClean="0"/>
               <a:t>Input:</a:t>
             </a:r>
             <a:r>
-              <a:rPr lang="en-US" sz="2600" dirty="0" smtClean="0"/>
+              <a:rPr lang="en-US" sz="2400" dirty="0" smtClean="0"/>
               <a:t> 	Any size up to huge maximum</a:t>
             </a:r>
           </a:p>
@@ -25219,11 +25522,11 @@
               <a:buNone/>
             </a:pPr>
             <a:r>
-              <a:rPr lang="en-US" sz="2600" i="1" dirty="0" smtClean="0"/>
+              <a:rPr lang="en-US" sz="2400" i="1" dirty="0" smtClean="0"/>
               <a:t>Output:</a:t>
             </a:r>
             <a:r>
-              <a:rPr lang="en-US" sz="2600" dirty="0" smtClean="0"/>
+              <a:rPr lang="en-US" sz="2400" dirty="0" smtClean="0"/>
               <a:t> 	Fixed size (e.g. 256 bits)</a:t>
             </a:r>
           </a:p>
@@ -25235,14 +25538,14 @@
               <a:buNone/>
             </a:pPr>
             <a:r>
-              <a:rPr lang="en-US" sz="2600" dirty="0" smtClean="0"/>
+              <a:rPr lang="en-US" sz="2400" dirty="0" smtClean="0"/>
               <a:t>Defined by a giant lookup table that’s</a:t>
             </a:r>
             <a:br>
-              <a:rPr lang="en-US" sz="2600" dirty="0" smtClean="0"/>
+              <a:rPr lang="en-US" sz="2400" dirty="0" smtClean="0"/>
             </a:br>
             <a:r>
-              <a:rPr lang="en-US" sz="2600" dirty="0" smtClean="0"/>
+              <a:rPr lang="en-US" sz="2400" dirty="0" smtClean="0"/>
               <a:t>filled in by flipping coins</a:t>
             </a:r>
           </a:p>
@@ -25254,27 +25557,27 @@
               </a:tabLst>
             </a:pPr>
             <a:r>
-              <a:rPr lang="en-US" sz="2600" dirty="0" smtClean="0"/>
+              <a:rPr lang="en-US" sz="2400" dirty="0" smtClean="0"/>
               <a:t/>
             </a:r>
             <a:br>
-              <a:rPr lang="en-US" sz="2600" dirty="0" smtClean="0"/>
+              <a:rPr lang="en-US" sz="2400" dirty="0" smtClean="0"/>
             </a:br>
             <a:r>
-              <a:rPr lang="en-US" sz="2600" dirty="0" smtClean="0"/>
+              <a:rPr lang="en-US" sz="2400" dirty="0" smtClean="0"/>
               <a:t/>
             </a:r>
             <a:br>
-              <a:rPr lang="en-US" sz="2600" dirty="0" smtClean="0"/>
+              <a:rPr lang="en-US" sz="2400" dirty="0" smtClean="0"/>
             </a:br>
             <a:r>
-              <a:rPr lang="en-US" sz="2600" dirty="0" smtClean="0"/>
+              <a:rPr lang="en-US" sz="2400" dirty="0" smtClean="0"/>
               <a:t/>
             </a:r>
             <a:br>
-              <a:rPr lang="en-US" sz="2600" dirty="0" smtClean="0"/>
+              <a:rPr lang="en-US" sz="2400" dirty="0" smtClean="0"/>
             </a:br>
-            <a:endParaRPr lang="en-US" sz="2600" dirty="0"/>
+            <a:endParaRPr lang="en-US" sz="2400" dirty="0"/>
           </a:p>
           <a:p>
             <a:pPr>
@@ -25286,11 +25589,11 @@
               </a:tabLst>
             </a:pPr>
             <a:r>
-              <a:rPr lang="en-US" dirty="0" smtClean="0"/>
+              <a:rPr lang="en-US" sz="2800" dirty="0" smtClean="0"/>
               <a:t>Completely </a:t>
             </a:r>
             <a:r>
-              <a:rPr lang="en-US" u="sng" dirty="0" smtClean="0"/>
+              <a:rPr lang="en-US" sz="2800" u="sng" dirty="0" smtClean="0"/>
               <a:t>impractical</a:t>
             </a:r>
           </a:p>
@@ -25304,15 +25607,15 @@
               </a:tabLst>
             </a:pPr>
             <a:r>
-              <a:rPr lang="en-US" dirty="0"/>
+              <a:rPr lang="en-US" sz="2800" dirty="0"/>
               <a:t>P</a:t>
             </a:r>
             <a:r>
-              <a:rPr lang="en-US" dirty="0" smtClean="0"/>
+              <a:rPr lang="en-US" sz="2800" dirty="0" smtClean="0"/>
               <a:t>rovably </a:t>
             </a:r>
             <a:r>
-              <a:rPr lang="en-US" u="sng" dirty="0" smtClean="0"/>
+              <a:rPr lang="en-US" sz="2800" u="sng" dirty="0" smtClean="0"/>
               <a:t>secure</a:t>
             </a:r>
           </a:p>
@@ -25324,13 +25627,13 @@
               </a:tabLst>
             </a:pPr>
             <a:r>
-              <a:rPr lang="en-US" sz="2600" dirty="0" smtClean="0"/>
+              <a:rPr lang="en-US" sz="2400" dirty="0" smtClean="0"/>
               <a:t/>
             </a:r>
             <a:br>
-              <a:rPr lang="en-US" sz="2600" dirty="0" smtClean="0"/>
+              <a:rPr lang="en-US" sz="2400" dirty="0" smtClean="0"/>
             </a:br>
-            <a:endParaRPr lang="en-US" sz="2600" dirty="0" smtClean="0"/>
+            <a:endParaRPr lang="en-US" sz="2400" dirty="0" smtClean="0"/>
           </a:p>
         </p:txBody>
       </p:sp>
@@ -25342,10 +25645,10 @@
         </p:nvGrpSpPr>
         <p:grpSpPr>
           <a:xfrm>
-            <a:off x="2032002" y="2437014"/>
-            <a:ext cx="3834078" cy="1292662"/>
-            <a:chOff x="1551851" y="3200401"/>
-            <a:chExt cx="2875558" cy="1723549"/>
+            <a:off x="1808482" y="3308997"/>
+            <a:ext cx="3834078" cy="1713087"/>
+            <a:chOff x="1551851" y="1710268"/>
+            <a:chExt cx="2875558" cy="2284115"/>
           </a:xfrm>
         </p:grpSpPr>
         <p:sp>
@@ -25356,7 +25659,7 @@
           </p:nvSpPr>
           <p:spPr>
             <a:xfrm rot="5400000">
-              <a:off x="1566256" y="4455794"/>
+              <a:off x="1566255" y="3556482"/>
               <a:ext cx="529552" cy="346249"/>
             </a:xfrm>
             <a:prstGeom prst="rect">
@@ -25386,7 +25689,7 @@
           </p:nvSpPr>
           <p:spPr>
             <a:xfrm rot="5400000">
-              <a:off x="3547457" y="4445410"/>
+              <a:off x="3547456" y="3546098"/>
               <a:ext cx="529552" cy="346249"/>
             </a:xfrm>
             <a:prstGeom prst="rect">
@@ -25416,7 +25719,7 @@
           </p:nvSpPr>
           <p:spPr>
             <a:xfrm>
-              <a:off x="1551851" y="3200401"/>
+              <a:off x="1551851" y="1710268"/>
               <a:ext cx="2875558" cy="1723549"/>
             </a:xfrm>
             <a:prstGeom prst="rect">
@@ -25970,20 +26273,20 @@
         </p:spPr>
         <p:txBody>
           <a:bodyPr>
-            <a:normAutofit fontScale="85000" lnSpcReduction="20000"/>
+            <a:noAutofit/>
           </a:bodyPr>
           <a:lstStyle/>
           <a:p>
             <a:r>
-              <a:rPr lang="en-US" dirty="0" smtClean="0"/>
+              <a:rPr lang="en-US" sz="2800" dirty="0" smtClean="0"/>
               <a:t>Formal definition of a secure </a:t>
             </a:r>
             <a:r>
-              <a:rPr lang="en-US" b="1" dirty="0" smtClean="0"/>
+              <a:rPr lang="en-US" sz="2800" b="1" dirty="0" smtClean="0"/>
               <a:t>PRF</a:t>
             </a:r>
             <a:r>
-              <a:rPr lang="en-US" dirty="0" smtClean="0"/>
+              <a:rPr lang="en-US" sz="2800" dirty="0" smtClean="0"/>
               <a:t>:</a:t>
             </a:r>
           </a:p>
@@ -26147,23 +26450,23 @@
               <a:buNone/>
             </a:pPr>
             <a:r>
-              <a:rPr lang="en-US" sz="2600" dirty="0" smtClean="0"/>
+              <a:rPr lang="en-US" sz="2400" dirty="0" smtClean="0"/>
               <a:t>We say </a:t>
             </a:r>
             <a:r>
-              <a:rPr lang="en-US" sz="2600" b="1" i="1" dirty="0" smtClean="0"/>
+              <a:rPr lang="en-US" sz="2400" b="1" i="1" dirty="0" smtClean="0"/>
               <a:t>f</a:t>
             </a:r>
             <a:r>
-              <a:rPr lang="en-US" sz="2600" dirty="0" smtClean="0"/>
+              <a:rPr lang="en-US" sz="2400" dirty="0" smtClean="0"/>
               <a:t> is a </a:t>
             </a:r>
             <a:r>
-              <a:rPr lang="en-US" sz="2600" i="1" dirty="0" smtClean="0"/>
+              <a:rPr lang="en-US" sz="2400" i="1" dirty="0" smtClean="0"/>
               <a:t>secure PRF </a:t>
             </a:r>
             <a:r>
-              <a:rPr lang="en-US" sz="2600" dirty="0" smtClean="0"/>
+              <a:rPr lang="en-US" sz="2400" dirty="0" smtClean="0"/>
               <a:t>if Mallory can’t do better than random guessing*</a:t>
             </a:r>
           </a:p>
@@ -26175,30 +26478,30 @@
               <a:buNone/>
             </a:pPr>
             <a:r>
-              <a:rPr lang="en-US" sz="2600" dirty="0" smtClean="0"/>
+              <a:rPr lang="en-US" sz="2400" dirty="0" smtClean="0"/>
               <a:t>i.e., </a:t>
             </a:r>
             <a:r>
-              <a:rPr lang="en-US" sz="2600" b="1" i="1" dirty="0" smtClean="0"/>
+              <a:rPr lang="en-US" sz="2400" b="1" i="1" dirty="0" smtClean="0"/>
               <a:t>f</a:t>
             </a:r>
             <a:r>
-              <a:rPr lang="en-US" sz="2600" b="1" baseline="-25000" dirty="0" smtClean="0"/>
+              <a:rPr lang="en-US" sz="2400" b="1" baseline="-25000" dirty="0" smtClean="0"/>
               <a:t>k</a:t>
             </a:r>
             <a:r>
-              <a:rPr lang="en-US" sz="2600" dirty="0" smtClean="0"/>
+              <a:rPr lang="en-US" sz="2400" dirty="0" smtClean="0"/>
               <a:t> is indistinguishable </a:t>
             </a:r>
             <a:r>
-              <a:rPr lang="en-US" sz="2600" dirty="0"/>
+              <a:rPr lang="en-US" sz="2400" dirty="0"/>
               <a:t>in practice from a random function, unless you know </a:t>
             </a:r>
             <a:r>
-              <a:rPr lang="en-US" sz="2600" b="1" dirty="0" smtClean="0"/>
-              <a:t>k</a:t>
-            </a:r>
-            <a:endParaRPr lang="en-US" sz="2600" dirty="0" smtClean="0"/>
+              <a:rPr lang="en-US" sz="2400" b="1" dirty="0" smtClean="0"/>
+              <a:t>k.</a:t>
+            </a:r>
+            <a:endParaRPr lang="en-US" sz="2400" dirty="0" smtClean="0"/>
           </a:p>
           <a:p>
             <a:pPr marL="55563" lvl="1" indent="0">
@@ -26211,15 +26514,16 @@
               </a:tabLst>
             </a:pPr>
             <a:r>
-              <a:rPr lang="en-US" dirty="0" smtClean="0"/>
-              <a:t>Important fact: There’s an algorithm</a:t>
-            </a:r>
-            <a:br>
-              <a:rPr lang="en-US" dirty="0" smtClean="0"/>
-            </a:br>
-            <a:r>
-              <a:rPr lang="en-US" dirty="0" smtClean="0"/>
-              <a:t>that always wins for Mallory</a:t>
+              <a:rPr lang="en-US" sz="2000" dirty="0" smtClean="0"/>
+              <a:t>Important fact: There’s an </a:t>
+            </a:r>
+            <a:r>
+              <a:rPr lang="en-US" sz="2000" dirty="0" smtClean="0"/>
+              <a:t>algorithm that </a:t>
+            </a:r>
+            <a:r>
+              <a:rPr lang="en-US" sz="2000" dirty="0" smtClean="0"/>
+              <a:t>always wins for Mallory</a:t>
             </a:r>
           </a:p>
           <a:p>
@@ -26250,8 +26554,8 @@
         </p:nvSpPr>
         <p:spPr>
           <a:xfrm>
-            <a:off x="1044168" y="5174219"/>
-            <a:ext cx="4137897" cy="492443"/>
+            <a:off x="7143750" y="5543552"/>
+            <a:ext cx="1800690" cy="707886"/>
           </a:xfrm>
           <a:prstGeom prst="rect">
             <a:avLst/>
@@ -26259,21 +26563,60 @@
           <a:noFill/>
         </p:spPr>
         <p:txBody>
-          <a:bodyPr wrap="none" rtlCol="0">
+          <a:bodyPr wrap="square" rtlCol="0">
             <a:spAutoFit/>
           </a:bodyPr>
           <a:lstStyle/>
           <a:p>
             <a:pPr marL="0" lvl="1"/>
             <a:r>
-              <a:rPr lang="en-US" sz="2600" dirty="0" smtClean="0">
+              <a:rPr lang="en-US" sz="2000" dirty="0" smtClean="0">
                 <a:solidFill>
                   <a:schemeClr val="accent5">
                     <a:lumMod val="75000"/>
                   </a:schemeClr>
                 </a:solidFill>
               </a:rPr>
-              <a:t>[What is it?]    [How to fix it?]</a:t>
+              <a:t>[What is it?]    </a:t>
+            </a:r>
+            <a:r>
+              <a:rPr lang="en-US" sz="2000" dirty="0" smtClean="0">
+                <a:solidFill>
+                  <a:schemeClr val="accent5">
+                    <a:lumMod val="75000"/>
+                  </a:schemeClr>
+                </a:solidFill>
+              </a:rPr>
+              <a:t/>
+            </a:r>
+            <a:br>
+              <a:rPr lang="en-US" sz="2000" dirty="0" smtClean="0">
+                <a:solidFill>
+                  <a:schemeClr val="accent5">
+                    <a:lumMod val="75000"/>
+                  </a:schemeClr>
+                </a:solidFill>
+              </a:rPr>
+            </a:br>
+            <a:r>
+              <a:rPr lang="en-US" sz="2000" dirty="0" smtClean="0">
+                <a:solidFill>
+                  <a:schemeClr val="accent5">
+                    <a:lumMod val="75000"/>
+                  </a:schemeClr>
+                </a:solidFill>
+              </a:rPr>
+              <a:t>[</a:t>
+            </a:r>
+            <a:r>
+              <a:rPr lang="en-US" sz="2000" dirty="0" smtClean="0">
+                <a:solidFill>
+                  <a:schemeClr val="accent5">
+                    <a:lumMod val="75000"/>
+                  </a:schemeClr>
+                </a:solidFill>
+              </a:rPr>
+              <a:t>How to fix it?]</a:t>
             </a:r>
           </a:p>
         </p:txBody>
@@ -26325,7 +26668,12 @@
             <p:ph idx="1"/>
           </p:nvPr>
         </p:nvSpPr>
-        <p:spPr/>
+        <p:spPr>
+          <a:xfrm>
+            <a:off x="457200" y="698503"/>
+            <a:ext cx="8229600" cy="5200649"/>
+          </a:xfrm>
+        </p:spPr>
         <p:txBody>
           <a:bodyPr>
             <a:normAutofit fontScale="92500" lnSpcReduction="10000"/>
@@ -26351,15 +26699,7 @@
             </a:r>
             <a:r>
               <a:rPr lang="en-US" sz="2400" dirty="0" smtClean="0"/>
-              <a:t> </a:t>
-            </a:r>
-            <a:r>
-              <a:rPr lang="en-US" sz="2400" dirty="0" smtClean="0"/>
-              <a:t>be </a:t>
-            </a:r>
-            <a:r>
-              <a:rPr lang="en-US" sz="2400" dirty="0" smtClean="0"/>
-              <a:t>a secure PRF</a:t>
+              <a:t> be a secure PRF</a:t>
             </a:r>
           </a:p>
           <a:p>
@@ -26571,7 +26911,7 @@
         </p:nvGrpSpPr>
         <p:grpSpPr>
           <a:xfrm>
-            <a:off x="1749578" y="2057401"/>
+            <a:off x="1749578" y="2470151"/>
             <a:ext cx="6541104" cy="514351"/>
             <a:chOff x="1266372" y="2743200"/>
             <a:chExt cx="4905828" cy="685800"/>
@@ -26966,13 +27306,22 @@
             <p:ph idx="1"/>
           </p:nvPr>
         </p:nvSpPr>
-        <p:spPr/>
+        <p:spPr>
+          <a:xfrm>
+            <a:off x="457200" y="730250"/>
+            <a:ext cx="8229600" cy="4756152"/>
+          </a:xfrm>
+        </p:spPr>
         <p:txBody>
           <a:bodyPr>
-            <a:normAutofit fontScale="92500" lnSpcReduction="10000"/>
+            <a:normAutofit/>
           </a:bodyPr>
           <a:lstStyle/>
           <a:p>
+            <a:pPr marL="457200" indent="-457200">
+              <a:buFont typeface="Arial"/>
+              <a:buChar char="•"/>
+            </a:pPr>
             <a:r>
               <a:rPr lang="en-US" sz="3000" dirty="0" smtClean="0"/>
               <a:t>Annoying question:</a:t>
@@ -26986,6 +27335,10 @@
             </a:r>
           </a:p>
           <a:p>
+            <a:pPr marL="457200" indent="-457200">
+              <a:buFont typeface="Arial"/>
+              <a:buChar char="•"/>
+            </a:pPr>
             <a:r>
               <a:rPr lang="en-US" sz="3000" dirty="0" smtClean="0"/>
               <a:t>Annoying answer:</a:t>
@@ -26995,26 +27348,30 @@
             </a:br>
             <a:r>
               <a:rPr lang="en-US" sz="3000" b="1" i="1" dirty="0" smtClean="0"/>
-              <a:t>We don’t know.</a:t>
-            </a:r>
-            <a:endParaRPr lang="en-US" sz="3000" b="1" i="1" dirty="0"/>
-          </a:p>
-          <a:p>
+              <a:t>We don’t </a:t>
+            </a:r>
+            <a:r>
+              <a:rPr lang="en-US" sz="3000" b="1" i="1" dirty="0" smtClean="0"/>
+              <a:t>know</a:t>
+            </a:r>
+            <a:r>
+              <a:rPr lang="en-US" sz="3000" b="1" i="1" dirty="0" smtClean="0"/>
+              <a:t>!</a:t>
+            </a:r>
             <a:endParaRPr lang="en-US" sz="3000" dirty="0" smtClean="0"/>
           </a:p>
           <a:p>
-            <a:endParaRPr lang="en-US" sz="3000" dirty="0" smtClean="0"/>
-          </a:p>
-          <a:p>
+            <a:pPr marL="457200" indent="-457200">
+              <a:buFont typeface="Arial"/>
+              <a:buChar char="•"/>
+            </a:pPr>
             <a:r>
               <a:rPr lang="en-US" sz="3000" dirty="0" smtClean="0"/>
               <a:t>So how do we get a MAC?</a:t>
             </a:r>
           </a:p>
           <a:p>
-            <a:pPr marL="460375" lvl="1" indent="-3175">
-              <a:buNone/>
-            </a:pPr>
+            <a:pPr lvl="1"/>
             <a:r>
               <a:rPr lang="en-US" sz="2600" dirty="0" smtClean="0"/>
               <a:t>Well-studied functions where we </a:t>
@@ -27036,47 +27393,6 @@
           </a:p>
         </p:txBody>
       </p:sp>
-      <p:pic>
-        <p:nvPicPr>
-          <p:cNvPr id="2050" name="Picture 2" descr="C:\Documents and Settings\Eric\Local Settings\Temporary Internet Files\Content.IE5\WWB45ZL2\sad-monkey-face-2-hi[1].png"/>
-          <p:cNvPicPr>
-            <a:picLocks noChangeAspect="1" noChangeArrowheads="1"/>
-          </p:cNvPicPr>
-          <p:nvPr/>
-        </p:nvPicPr>
-        <p:blipFill>
-          <a:blip r:embed="rId3" cstate="print">
-            <a:extLst>
-              <a:ext uri="{28A0092B-C50C-407E-A947-70E740481C1C}">
-                <a14:useLocalDpi xmlns:a14="http://schemas.microsoft.com/office/drawing/2010/main" val="0"/>
-              </a:ext>
-            </a:extLst>
-          </a:blip>
-          <a:srcRect/>
-          <a:stretch>
-            <a:fillRect/>
-          </a:stretch>
-        </p:blipFill>
-        <p:spPr bwMode="auto">
-          <a:xfrm>
-            <a:off x="3656746" y="2000251"/>
-            <a:ext cx="1169355" cy="619392"/>
-          </a:xfrm>
-          <a:prstGeom prst="rect">
-            <a:avLst/>
-          </a:prstGeom>
-          <a:noFill/>
-          <a:extLst>
-            <a:ext uri="{909E8E84-426E-40dd-AFC4-6F175D3DCCD1}">
-              <a14:hiddenFill xmlns:a14="http://schemas.microsoft.com/office/drawing/2010/main">
-                <a:solidFill>
-                  <a:srgbClr val="FFFFFF"/>
-                </a:solidFill>
-              </a14:hiddenFill>
-            </a:ext>
-          </a:extLst>
-        </p:spPr>
-      </p:pic>
     </p:spTree>
     <p:extLst>
       <p:ext uri="{BB962C8B-B14F-4D97-AF65-F5344CB8AC3E}">

--- a/fall2016/lectures/3-Integrity-PRF.pptx
+++ b/fall2016/lectures/3-Integrity-PRF.pptx
@@ -242,7 +242,7 @@
           <a:p>
             <a:fld id="{29193AC8-E6E5-9B4C-9FD7-B484414A317D}" type="datetimeFigureOut">
               <a:rPr lang="en-US" smtClean="0"/>
-              <a:t>9/21/16</a:t>
+              <a:t>9/28/16</a:t>
             </a:fld>
             <a:endParaRPr lang="en-US"/>
           </a:p>
@@ -407,7 +407,7 @@
           <a:p>
             <a:fld id="{7AE5C1F9-EACF-8C42-BE13-6D521DEC26C2}" type="datetimeFigureOut">
               <a:rPr lang="en-US" smtClean="0"/>
-              <a:t>9/21/16</a:t>
+              <a:t>9/28/16</a:t>
             </a:fld>
             <a:endParaRPr lang="en-US"/>
           </a:p>
@@ -1015,7 +1015,6 @@
               <a:rPr lang="en-US" dirty="0" smtClean="0"/>
               <a:t>In cryptography and computer security, a length extension attack is a type of attack where an attacker can use Hash(message1) and the length of message1 to calculate Hash(message1 ∥ message2) for an attacker-controlled message2. In cryptography and computer security, a length extension attack is a type of attack where an attacker can use Hash(message1) and the length of message1 to calculate Hash(message1 ∥ message2) for an attacker-controlled message2. </a:t>
             </a:r>
-            <a:endParaRPr lang="en-US" dirty="0" smtClean="0"/>
           </a:p>
         </p:txBody>
       </p:sp>
@@ -2733,11 +2732,7 @@
           <a:p>
             <a:r>
               <a:rPr lang="en-US" baseline="0" dirty="0" smtClean="0"/>
-              <a:t>Obviously, public sources of randomness such as this and the NIST beacon (http://www.nist.gov/itl/csd/ct/nist_beacon.cfm) are not useful in crypto because the randomness needs to be unpredictable to the </a:t>
-            </a:r>
-            <a:r>
-              <a:rPr lang="en-US" baseline="0" dirty="0" smtClean="0"/>
-              <a:t>adversary</a:t>
+              <a:t>Obviously, public sources of randomness such as this and the NIST beacon (http://www.nist.gov/itl/csd/ct/nist_beacon.cfm) are not useful in crypto because the randomness needs to be unpredictable to the adversary</a:t>
             </a:r>
           </a:p>
           <a:p>
@@ -2748,7 +2743,6 @@
               <a:rPr lang="en-US" baseline="0" dirty="0" smtClean="0"/>
               <a:t>The meat of the book is the "Table of Random Digits." It lists them in five-digit groups -- "10097 32533 76520 13586 ..." -- 50 on a line and 50 lines on a page. The table goes on for 400 pages and, except for a particularly racy section on page 283 which reads "69696," makes for a boring read.</a:t>
             </a:r>
-            <a:endParaRPr lang="en-US" baseline="0" dirty="0" smtClean="0"/>
           </a:p>
         </p:txBody>
       </p:sp>
@@ -6213,7 +6207,7 @@
           <a:p>
             <a:fld id="{8825EAC5-5643-4243-9234-CA1B07A93AAF}" type="datetimeFigureOut">
               <a:rPr lang="en-US" smtClean="0"/>
-              <a:t>9/21/16</a:t>
+              <a:t>9/28/16</a:t>
             </a:fld>
             <a:endParaRPr lang="en-US"/>
           </a:p>
@@ -6383,7 +6377,7 @@
           <a:p>
             <a:fld id="{8825EAC5-5643-4243-9234-CA1B07A93AAF}" type="datetimeFigureOut">
               <a:rPr lang="en-US" smtClean="0"/>
-              <a:t>9/21/16</a:t>
+              <a:t>9/28/16</a:t>
             </a:fld>
             <a:endParaRPr lang="en-US"/>
           </a:p>
@@ -6563,7 +6557,7 @@
           <a:p>
             <a:fld id="{8825EAC5-5643-4243-9234-CA1B07A93AAF}" type="datetimeFigureOut">
               <a:rPr lang="en-US" smtClean="0"/>
-              <a:t>9/21/16</a:t>
+              <a:t>9/28/16</a:t>
             </a:fld>
             <a:endParaRPr lang="en-US"/>
           </a:p>
@@ -6739,7 +6733,7 @@
             <a:fld id="{446FEFB0-7A1A-44E6-B9DF-D284AB76E538}" type="datetimeFigureOut">
               <a:rPr lang="en-US" smtClean="0"/>
               <a:pPr/>
-              <a:t>9/21/16</a:t>
+              <a:t>9/28/16</a:t>
             </a:fld>
             <a:endParaRPr lang="en-US"/>
           </a:p>
@@ -6923,7 +6917,7 @@
             <a:fld id="{446FEFB0-7A1A-44E6-B9DF-D284AB76E538}" type="datetimeFigureOut">
               <a:rPr lang="en-US" smtClean="0"/>
               <a:pPr/>
-              <a:t>9/21/16</a:t>
+              <a:t>9/28/16</a:t>
             </a:fld>
             <a:endParaRPr lang="en-US"/>
           </a:p>
@@ -7107,7 +7101,7 @@
             <a:fld id="{446FEFB0-7A1A-44E6-B9DF-D284AB76E538}" type="datetimeFigureOut">
               <a:rPr lang="en-US" smtClean="0"/>
               <a:pPr/>
-              <a:t>9/21/16</a:t>
+              <a:t>9/28/16</a:t>
             </a:fld>
             <a:endParaRPr lang="en-US"/>
           </a:p>
@@ -7291,7 +7285,7 @@
             <a:fld id="{446FEFB0-7A1A-44E6-B9DF-D284AB76E538}" type="datetimeFigureOut">
               <a:rPr lang="en-US" smtClean="0"/>
               <a:pPr/>
-              <a:t>9/21/16</a:t>
+              <a:t>9/28/16</a:t>
             </a:fld>
             <a:endParaRPr lang="en-US"/>
           </a:p>
@@ -7475,7 +7469,7 @@
             <a:fld id="{446FEFB0-7A1A-44E6-B9DF-D284AB76E538}" type="datetimeFigureOut">
               <a:rPr lang="en-US" smtClean="0"/>
               <a:pPr/>
-              <a:t>9/21/16</a:t>
+              <a:t>9/28/16</a:t>
             </a:fld>
             <a:endParaRPr lang="en-US"/>
           </a:p>
@@ -7659,7 +7653,7 @@
             <a:fld id="{446FEFB0-7A1A-44E6-B9DF-D284AB76E538}" type="datetimeFigureOut">
               <a:rPr lang="en-US" smtClean="0"/>
               <a:pPr/>
-              <a:t>9/21/16</a:t>
+              <a:t>9/28/16</a:t>
             </a:fld>
             <a:endParaRPr lang="en-US"/>
           </a:p>
@@ -7843,7 +7837,7 @@
             <a:fld id="{446FEFB0-7A1A-44E6-B9DF-D284AB76E538}" type="datetimeFigureOut">
               <a:rPr lang="en-US" smtClean="0"/>
               <a:pPr/>
-              <a:t>9/21/16</a:t>
+              <a:t>9/28/16</a:t>
             </a:fld>
             <a:endParaRPr lang="en-US"/>
           </a:p>
@@ -8027,7 +8021,7 @@
             <a:fld id="{446FEFB0-7A1A-44E6-B9DF-D284AB76E538}" type="datetimeFigureOut">
               <a:rPr lang="en-US" smtClean="0"/>
               <a:pPr/>
-              <a:t>9/21/16</a:t>
+              <a:t>9/28/16</a:t>
             </a:fld>
             <a:endParaRPr lang="en-US"/>
           </a:p>
@@ -8205,7 +8199,7 @@
           <a:p>
             <a:fld id="{8825EAC5-5643-4243-9234-CA1B07A93AAF}" type="datetimeFigureOut">
               <a:rPr lang="en-US" smtClean="0"/>
-              <a:t>9/21/16</a:t>
+              <a:t>9/28/16</a:t>
             </a:fld>
             <a:endParaRPr lang="en-US"/>
           </a:p>
@@ -8381,7 +8375,7 @@
             <a:fld id="{446FEFB0-7A1A-44E6-B9DF-D284AB76E538}" type="datetimeFigureOut">
               <a:rPr lang="en-US" smtClean="0"/>
               <a:pPr/>
-              <a:t>9/21/16</a:t>
+              <a:t>9/28/16</a:t>
             </a:fld>
             <a:endParaRPr lang="en-US"/>
           </a:p>
@@ -8565,7 +8559,7 @@
             <a:fld id="{446FEFB0-7A1A-44E6-B9DF-D284AB76E538}" type="datetimeFigureOut">
               <a:rPr lang="en-US" smtClean="0"/>
               <a:pPr/>
-              <a:t>9/21/16</a:t>
+              <a:t>9/28/16</a:t>
             </a:fld>
             <a:endParaRPr lang="en-US"/>
           </a:p>
@@ -8749,7 +8743,7 @@
             <a:fld id="{446FEFB0-7A1A-44E6-B9DF-D284AB76E538}" type="datetimeFigureOut">
               <a:rPr lang="en-US" smtClean="0"/>
               <a:pPr/>
-              <a:t>9/21/16</a:t>
+              <a:t>9/28/16</a:t>
             </a:fld>
             <a:endParaRPr lang="en-US"/>
           </a:p>
@@ -8933,7 +8927,7 @@
             <a:fld id="{446FEFB0-7A1A-44E6-B9DF-D284AB76E538}" type="datetimeFigureOut">
               <a:rPr lang="en-US" smtClean="0"/>
               <a:pPr/>
-              <a:t>9/21/16</a:t>
+              <a:t>9/28/16</a:t>
             </a:fld>
             <a:endParaRPr lang="en-US"/>
           </a:p>
@@ -9117,7 +9111,7 @@
             <a:fld id="{446FEFB0-7A1A-44E6-B9DF-D284AB76E538}" type="datetimeFigureOut">
               <a:rPr lang="en-US" smtClean="0"/>
               <a:pPr/>
-              <a:t>9/21/16</a:t>
+              <a:t>9/28/16</a:t>
             </a:fld>
             <a:endParaRPr lang="en-US"/>
           </a:p>
@@ -9301,7 +9295,7 @@
             <a:fld id="{446FEFB0-7A1A-44E6-B9DF-D284AB76E538}" type="datetimeFigureOut">
               <a:rPr lang="en-US" smtClean="0"/>
               <a:pPr/>
-              <a:t>9/21/16</a:t>
+              <a:t>9/28/16</a:t>
             </a:fld>
             <a:endParaRPr lang="en-US"/>
           </a:p>
@@ -9485,7 +9479,7 @@
             <a:fld id="{446FEFB0-7A1A-44E6-B9DF-D284AB76E538}" type="datetimeFigureOut">
               <a:rPr lang="en-US" smtClean="0"/>
               <a:pPr/>
-              <a:t>9/21/16</a:t>
+              <a:t>9/28/16</a:t>
             </a:fld>
             <a:endParaRPr lang="en-US"/>
           </a:p>
@@ -9669,7 +9663,7 @@
             <a:fld id="{446FEFB0-7A1A-44E6-B9DF-D284AB76E538}" type="datetimeFigureOut">
               <a:rPr lang="en-US" smtClean="0"/>
               <a:pPr/>
-              <a:t>9/21/16</a:t>
+              <a:t>9/28/16</a:t>
             </a:fld>
             <a:endParaRPr lang="en-US"/>
           </a:p>
@@ -9853,7 +9847,7 @@
             <a:fld id="{446FEFB0-7A1A-44E6-B9DF-D284AB76E538}" type="datetimeFigureOut">
               <a:rPr lang="en-US" smtClean="0"/>
               <a:pPr/>
-              <a:t>9/21/16</a:t>
+              <a:t>9/28/16</a:t>
             </a:fld>
             <a:endParaRPr lang="en-US"/>
           </a:p>
@@ -10037,7 +10031,7 @@
             <a:fld id="{446FEFB0-7A1A-44E6-B9DF-D284AB76E538}" type="datetimeFigureOut">
               <a:rPr lang="en-US" smtClean="0"/>
               <a:pPr/>
-              <a:t>9/21/16</a:t>
+              <a:t>9/28/16</a:t>
             </a:fld>
             <a:endParaRPr lang="en-US"/>
           </a:p>
@@ -10291,7 +10285,7 @@
           <a:p>
             <a:fld id="{8825EAC5-5643-4243-9234-CA1B07A93AAF}" type="datetimeFigureOut">
               <a:rPr lang="en-US" smtClean="0"/>
-              <a:t>9/21/16</a:t>
+              <a:t>9/28/16</a:t>
             </a:fld>
             <a:endParaRPr lang="en-US"/>
           </a:p>
@@ -10467,7 +10461,7 @@
             <a:fld id="{446FEFB0-7A1A-44E6-B9DF-D284AB76E538}" type="datetimeFigureOut">
               <a:rPr lang="en-US" smtClean="0"/>
               <a:pPr/>
-              <a:t>9/21/16</a:t>
+              <a:t>9/28/16</a:t>
             </a:fld>
             <a:endParaRPr lang="en-US"/>
           </a:p>
@@ -10651,7 +10645,7 @@
             <a:fld id="{446FEFB0-7A1A-44E6-B9DF-D284AB76E538}" type="datetimeFigureOut">
               <a:rPr lang="en-US" smtClean="0"/>
               <a:pPr/>
-              <a:t>9/21/16</a:t>
+              <a:t>9/28/16</a:t>
             </a:fld>
             <a:endParaRPr lang="en-US"/>
           </a:p>
@@ -10947,7 +10941,7 @@
           <a:p>
             <a:fld id="{8825EAC5-5643-4243-9234-CA1B07A93AAF}" type="datetimeFigureOut">
               <a:rPr lang="en-US" smtClean="0"/>
-              <a:t>9/21/16</a:t>
+              <a:t>9/28/16</a:t>
             </a:fld>
             <a:endParaRPr lang="en-US"/>
           </a:p>
@@ -11369,7 +11363,7 @@
           <a:p>
             <a:fld id="{8825EAC5-5643-4243-9234-CA1B07A93AAF}" type="datetimeFigureOut">
               <a:rPr lang="en-US" smtClean="0"/>
-              <a:t>9/21/16</a:t>
+              <a:t>9/28/16</a:t>
             </a:fld>
             <a:endParaRPr lang="en-US"/>
           </a:p>
@@ -11487,7 +11481,7 @@
           <a:p>
             <a:fld id="{8825EAC5-5643-4243-9234-CA1B07A93AAF}" type="datetimeFigureOut">
               <a:rPr lang="en-US" smtClean="0"/>
-              <a:t>9/21/16</a:t>
+              <a:t>9/28/16</a:t>
             </a:fld>
             <a:endParaRPr lang="en-US"/>
           </a:p>
@@ -11582,7 +11576,7 @@
           <a:p>
             <a:fld id="{8825EAC5-5643-4243-9234-CA1B07A93AAF}" type="datetimeFigureOut">
               <a:rPr lang="en-US" smtClean="0"/>
-              <a:t>9/21/16</a:t>
+              <a:t>9/28/16</a:t>
             </a:fld>
             <a:endParaRPr lang="en-US"/>
           </a:p>
@@ -11859,7 +11853,7 @@
           <a:p>
             <a:fld id="{8825EAC5-5643-4243-9234-CA1B07A93AAF}" type="datetimeFigureOut">
               <a:rPr lang="en-US" smtClean="0"/>
-              <a:t>9/21/16</a:t>
+              <a:t>9/28/16</a:t>
             </a:fld>
             <a:endParaRPr lang="en-US"/>
           </a:p>
@@ -12112,7 +12106,7 @@
           <a:p>
             <a:fld id="{8825EAC5-5643-4243-9234-CA1B07A93AAF}" type="datetimeFigureOut">
               <a:rPr lang="en-US" smtClean="0"/>
-              <a:t>9/21/16</a:t>
+              <a:t>9/28/16</a:t>
             </a:fld>
             <a:endParaRPr lang="en-US"/>
           </a:p>
@@ -12325,7 +12319,7 @@
           <a:p>
             <a:fld id="{8825EAC5-5643-4243-9234-CA1B07A93AAF}" type="datetimeFigureOut">
               <a:rPr lang="en-US" smtClean="0"/>
-              <a:t>9/21/16</a:t>
+              <a:t>9/28/16</a:t>
             </a:fld>
             <a:endParaRPr lang="en-US"/>
           </a:p>
@@ -12744,26 +12738,14 @@
           <a:p>
             <a:r>
               <a:rPr lang="en-US" dirty="0" smtClean="0"/>
-              <a:t>Message Integrity </a:t>
-            </a:r>
-            <a:r>
-              <a:rPr lang="en-US" dirty="0" smtClean="0"/>
-              <a:t>and </a:t>
-            </a:r>
-            <a:r>
-              <a:rPr lang="en-US" dirty="0" smtClean="0"/>
-              <a:t/>
+              <a:t>Message Integrity and </a:t>
             </a:r>
             <a:br>
               <a:rPr lang="en-US" dirty="0" smtClean="0"/>
             </a:br>
             <a:r>
               <a:rPr lang="en-US" dirty="0" smtClean="0"/>
-              <a:t>Pseudorandom </a:t>
-            </a:r>
-            <a:r>
-              <a:rPr lang="en-US" dirty="0" smtClean="0"/>
-              <a:t>Functions</a:t>
+              <a:t>Pseudorandom Functions</a:t>
             </a:r>
             <a:br>
               <a:rPr lang="en-US" dirty="0" smtClean="0"/>
@@ -13085,7 +13067,7 @@
                 <a:graphicData uri="http://schemas.openxmlformats.org/presentationml/2006/ole">
                   <mc:AlternateContent xmlns:mc="http://schemas.openxmlformats.org/markup-compatibility/2006">
                     <mc:Choice xmlns:v="urn:schemas-microsoft-com:vml" Requires="v">
-                      <p:oleObj spid="_x0000_s1099" name="Equation" r:id="rId4" imgW="2527200" imgH="380880" progId="Equation.3">
+                      <p:oleObj spid="_x0000_s1103" name="Equation" r:id="rId4" imgW="2527200" imgH="380880" progId="Equation.3">
                         <p:embed/>
                       </p:oleObj>
                     </mc:Choice>
@@ -15592,11 +15574,7 @@
             <a:pPr algn="ctr"/>
             <a:r>
               <a:rPr lang="en-US" sz="2800" b="1" dirty="0" smtClean="0"/>
-              <a:t>Hash </a:t>
-            </a:r>
-            <a:r>
-              <a:rPr lang="en-US" sz="2800" b="1" dirty="0" smtClean="0"/>
-              <a:t>Function </a:t>
+              <a:t>Hash Function </a:t>
             </a:r>
             <a:r>
               <a:rPr lang="en-US" sz="2800" b="1" dirty="0"/>
@@ -15606,7 +15584,6 @@
               <a:rPr lang="en-US" sz="2800" b="1" dirty="0" smtClean="0"/>
               <a:t>roperties</a:t>
             </a:r>
-            <a:endParaRPr lang="en-US" sz="2800" b="1" dirty="0" smtClean="0"/>
           </a:p>
           <a:p>
             <a:r>
@@ -15638,13 +15615,8 @@
             </a:r>
             <a:r>
               <a:rPr lang="en-US" sz="2400" dirty="0" smtClean="0"/>
-              <a:t>given h(m), find </a:t>
-            </a:r>
-            <a:r>
-              <a:rPr lang="en-US" sz="2400" dirty="0" smtClean="0"/>
-              <a:t>m</a:t>
-            </a:r>
-            <a:endParaRPr lang="en-US" sz="2400" dirty="0" smtClean="0"/>
+              <a:t>given h(m), find m</a:t>
+            </a:r>
           </a:p>
           <a:p>
             <a:r>
@@ -15939,11 +15911,6 @@
               </a:rPr>
               <a:t>SHA1</a:t>
             </a:r>
-            <a:endParaRPr lang="en-US" sz="3000" b="1" dirty="0" smtClean="0">
-              <a:solidFill>
-                <a:schemeClr val="accent1"/>
-              </a:solidFill>
-            </a:endParaRPr>
           </a:p>
           <a:p>
             <a:pPr marL="457200">
@@ -16402,7 +16369,7 @@
                   <a:t>) </a:t>
                 </a:r>
                 <a14:m>
-                  <m:oMath xmlns:m="http://schemas.openxmlformats.org/officeDocument/2006/math" xmlns="">
+                  <m:oMath xmlns="" xmlns:m="http://schemas.openxmlformats.org/officeDocument/2006/math">
                     <m:r>
                       <a:rPr lang="en-US" sz="2400" i="1">
                         <a:latin typeface="Cambria Math"/>
@@ -16463,7 +16430,7 @@
                   <a:t>, </a:t>
                 </a:r>
                 <a14:m>
-                  <m:oMath xmlns:m="http://schemas.openxmlformats.org/officeDocument/2006/math" xmlns="">
+                  <m:oMath xmlns="" xmlns:m="http://schemas.openxmlformats.org/officeDocument/2006/math">
                     <m:sSup>
                       <m:sSupPr>
                         <m:ctrlPr>
@@ -16503,7 +16470,7 @@
                   <a:t> for a new</a:t>
                 </a:r>
                 <a14:m>
-                  <m:oMath xmlns:m="http://schemas.openxmlformats.org/officeDocument/2006/math" xmlns="">
+                  <m:oMath xmlns="" xmlns:m="http://schemas.openxmlformats.org/officeDocument/2006/math">
                     <m:r>
                       <a:rPr lang="en-US" sz="2400">
                         <a:latin typeface="Cambria Math"/>
@@ -18697,11 +18664,7 @@
             </a:r>
             <a:r>
               <a:rPr lang="en-US" sz="4100" b="1" i="1" dirty="0" smtClean="0"/>
-              <a:t>simple PRG that </a:t>
-            </a:r>
-            <a:r>
-              <a:rPr lang="en-US" sz="4100" b="1" i="1" dirty="0" smtClean="0"/>
-              <a:t>works</a:t>
+              <a:t>simple PRG that works</a:t>
             </a:r>
             <a:br>
               <a:rPr lang="en-US" sz="4100" b="1" i="1" dirty="0" smtClean="0"/>
@@ -20689,11 +20652,7 @@
           <a:p>
             <a:r>
               <a:rPr lang="en-US" dirty="0" smtClean="0"/>
-              <a:t>Input: a small “seed” that’s truly </a:t>
-            </a:r>
-            <a:r>
-              <a:rPr lang="en-US" dirty="0" smtClean="0"/>
-              <a:t>random</a:t>
+              <a:t>Input: a small “seed” that’s truly random</a:t>
             </a:r>
           </a:p>
           <a:p>
@@ -20709,11 +20668,7 @@
             <a:pPr lvl="1"/>
             <a:r>
               <a:rPr lang="en-US" dirty="0" smtClean="0"/>
-              <a:t>“as good as random</a:t>
-            </a:r>
-            <a:r>
-              <a:rPr lang="en-US" dirty="0" smtClean="0"/>
-              <a:t>”</a:t>
+              <a:t>“as good as random”</a:t>
             </a:r>
           </a:p>
           <a:p>
@@ -22147,15 +22102,7 @@
             </a:pPr>
             <a:r>
               <a:rPr lang="en-US" dirty="0" smtClean="0"/>
-              <a:t>Prevents this attack: </a:t>
-            </a:r>
-            <a:r>
-              <a:rPr lang="en-US" dirty="0" smtClean="0"/>
-              <a:t>Mallory </a:t>
-            </a:r>
-            <a:r>
-              <a:rPr lang="en-US" dirty="0" smtClean="0"/>
-              <a:t>saves </a:t>
+              <a:t>Prevents this attack: Mallory saves </a:t>
             </a:r>
             <a:r>
               <a:rPr lang="en-US" dirty="0" err="1" smtClean="0"/>
@@ -22932,15 +22879,7 @@
           <a:p>
             <a:r>
               <a:rPr lang="en-US" dirty="0" smtClean="0"/>
-              <a:t>  </a:t>
-            </a:r>
-            <a:r>
-              <a:rPr lang="en-US" dirty="0" smtClean="0"/>
-              <a:t>To </a:t>
-            </a:r>
-            <a:r>
-              <a:rPr lang="en-US" dirty="0" smtClean="0"/>
-              <a:t>generate a bit, toss the coin twice</a:t>
+              <a:t>  To generate a bit, toss the coin twice</a:t>
             </a:r>
           </a:p>
           <a:p>
@@ -22950,44 +22889,20 @@
             </a:r>
             <a:r>
               <a:rPr lang="en-US" dirty="0" smtClean="0"/>
-              <a:t> </a:t>
-            </a:r>
-            <a:r>
-              <a:rPr lang="en-US" dirty="0" smtClean="0"/>
-              <a:t>If </a:t>
-            </a:r>
-            <a:r>
-              <a:rPr lang="en-US" dirty="0" smtClean="0"/>
-              <a:t>HT output 0, if TH output 1</a:t>
-            </a:r>
-          </a:p>
-          <a:p>
-            <a:r>
-              <a:rPr lang="en-US" dirty="0" smtClean="0"/>
-              <a:t>  </a:t>
-            </a:r>
-            <a:r>
-              <a:rPr lang="en-US" dirty="0" smtClean="0"/>
-              <a:t>If </a:t>
-            </a:r>
-            <a:r>
-              <a:rPr lang="en-US" dirty="0" smtClean="0"/>
-              <a:t>HH or TT, discard </a:t>
-            </a:r>
-            <a:r>
-              <a:rPr lang="en-US" dirty="0" smtClean="0"/>
-              <a:t/>
+              <a:t> If HT output 0, if TH output 1</a:t>
+            </a:r>
+          </a:p>
+          <a:p>
+            <a:r>
+              <a:rPr lang="en-US" dirty="0" smtClean="0"/>
+              <a:t>  If HH or TT, discard </a:t>
             </a:r>
             <a:br>
               <a:rPr lang="en-US" dirty="0" smtClean="0"/>
             </a:br>
             <a:r>
               <a:rPr lang="en-US" dirty="0" smtClean="0"/>
-              <a:t>	and </a:t>
-            </a:r>
-            <a:r>
-              <a:rPr lang="en-US" dirty="0" smtClean="0"/>
-              <a:t>toss twice again (repeat)</a:t>
+              <a:t>	and toss twice again (repeat)</a:t>
             </a:r>
             <a:endParaRPr lang="en-US" dirty="0"/>
           </a:p>
@@ -24356,11 +24271,7 @@
           <a:p>
             <a:r>
               <a:rPr lang="en-US" dirty="0" smtClean="0"/>
-              <a:t>Generating </a:t>
-            </a:r>
-            <a:r>
-              <a:rPr lang="en-US" dirty="0" smtClean="0"/>
-              <a:t>Unpredictable Bits from the Environment</a:t>
+              <a:t>Generating Unpredictable Bits from the Environment</a:t>
             </a:r>
             <a:endParaRPr lang="en-US" dirty="0"/>
           </a:p>
@@ -24610,11 +24521,7 @@
           <a:p>
             <a:r>
               <a:rPr lang="en-US" dirty="0" smtClean="0"/>
-              <a:t>Generating </a:t>
-            </a:r>
-            <a:r>
-              <a:rPr lang="en-US" dirty="0" smtClean="0"/>
-              <a:t>Unpredictable Bits from the Environment</a:t>
+              <a:t>Generating Unpredictable Bits from the Environment</a:t>
             </a:r>
             <a:endParaRPr lang="en-US" dirty="0"/>
           </a:p>
@@ -26515,15 +26422,7 @@
             </a:pPr>
             <a:r>
               <a:rPr lang="en-US" sz="2000" dirty="0" smtClean="0"/>
-              <a:t>Important fact: There’s an </a:t>
-            </a:r>
-            <a:r>
-              <a:rPr lang="en-US" sz="2000" dirty="0" smtClean="0"/>
-              <a:t>algorithm that </a:t>
-            </a:r>
-            <a:r>
-              <a:rPr lang="en-US" sz="2000" dirty="0" smtClean="0"/>
-              <a:t>always wins for Mallory</a:t>
+              <a:t>Important fact: There’s an algorithm that always wins for Mallory</a:t>
             </a:r>
           </a:p>
           <a:p>
@@ -26579,16 +26478,6 @@
               </a:rPr>
               <a:t>[What is it?]    </a:t>
             </a:r>
-            <a:r>
-              <a:rPr lang="en-US" sz="2000" dirty="0" smtClean="0">
-                <a:solidFill>
-                  <a:schemeClr val="accent5">
-                    <a:lumMod val="75000"/>
-                  </a:schemeClr>
-                </a:solidFill>
-              </a:rPr>
-              <a:t/>
-            </a:r>
             <a:br>
               <a:rPr lang="en-US" sz="2000" dirty="0" smtClean="0">
                 <a:solidFill>
@@ -26606,17 +26495,7 @@
                   </a:schemeClr>
                 </a:solidFill>
               </a:rPr>
-              <a:t>[</a:t>
-            </a:r>
-            <a:r>
-              <a:rPr lang="en-US" sz="2000" dirty="0" smtClean="0">
-                <a:solidFill>
-                  <a:schemeClr val="accent5">
-                    <a:lumMod val="75000"/>
-                  </a:schemeClr>
-                </a:solidFill>
-              </a:rPr>
-              <a:t>How to fix it?]</a:t>
+              <a:t>[How to fix it?]</a:t>
             </a:r>
           </a:p>
         </p:txBody>
@@ -27348,15 +27227,7 @@
             </a:br>
             <a:r>
               <a:rPr lang="en-US" sz="3000" b="1" i="1" dirty="0" smtClean="0"/>
-              <a:t>We don’t </a:t>
-            </a:r>
-            <a:r>
-              <a:rPr lang="en-US" sz="3000" b="1" i="1" dirty="0" smtClean="0"/>
-              <a:t>know</a:t>
-            </a:r>
-            <a:r>
-              <a:rPr lang="en-US" sz="3000" b="1" i="1" dirty="0" smtClean="0"/>
-              <a:t>!</a:t>
+              <a:t>We don’t know!</a:t>
             </a:r>
             <a:endParaRPr lang="en-US" sz="3000" dirty="0" smtClean="0"/>
           </a:p>
